--- a/English/6.Visuals/15.Key influencer.pptx
+++ b/English/6.Visuals/15.Key influencer.pptx
@@ -27,7 +27,7 @@
   <p:notesSz cx="6858000" cy="9144000"/>
   <p:defaultTextStyle>
     <a:defPPr>
-      <a:defRPr lang="en-US"/>
+      <a:defRPr lang="en"/>
     </a:defPPr>
     <a:lvl1pPr marL="0" algn="l" defTabSz="914400" rtl="0" eaLnBrk="1" latinLnBrk="0" hangingPunct="1">
       <a:defRPr sz="1800" kern="1200">
@@ -210,7 +210,7 @@
           <a:p>
             <a:fld id="{056BA3B8-9F76-4D81-B71D-76CB85363062}" type="datetimeFigureOut">
               <a:rPr lang="en-US" smtClean="0"/>
-              <a:t>1/5/2025</a:t>
+              <a:t>4/3/2025</a:t>
             </a:fld>
             <a:endParaRPr lang="en-US"/>
           </a:p>
@@ -609,7 +609,7 @@
           <a:p>
             <a:fld id="{6F01DA4D-20EA-48D2-973C-0311EC3005D6}" type="datetimeFigureOut">
               <a:rPr lang="en-US" smtClean="0"/>
-              <a:t>1/5/2025</a:t>
+              <a:t>4/3/2025</a:t>
             </a:fld>
             <a:endParaRPr lang="en-US"/>
           </a:p>
@@ -779,7 +779,7 @@
           <a:p>
             <a:fld id="{6F01DA4D-20EA-48D2-973C-0311EC3005D6}" type="datetimeFigureOut">
               <a:rPr lang="en-US" smtClean="0"/>
-              <a:t>1/5/2025</a:t>
+              <a:t>4/3/2025</a:t>
             </a:fld>
             <a:endParaRPr lang="en-US"/>
           </a:p>
@@ -959,7 +959,7 @@
           <a:p>
             <a:fld id="{6F01DA4D-20EA-48D2-973C-0311EC3005D6}" type="datetimeFigureOut">
               <a:rPr lang="en-US" smtClean="0"/>
-              <a:t>1/5/2025</a:t>
+              <a:t>4/3/2025</a:t>
             </a:fld>
             <a:endParaRPr lang="en-US"/>
           </a:p>
@@ -1129,7 +1129,7 @@
           <a:p>
             <a:fld id="{6F01DA4D-20EA-48D2-973C-0311EC3005D6}" type="datetimeFigureOut">
               <a:rPr lang="en-US" smtClean="0"/>
-              <a:t>1/5/2025</a:t>
+              <a:t>4/3/2025</a:t>
             </a:fld>
             <a:endParaRPr lang="en-US"/>
           </a:p>
@@ -1375,7 +1375,7 @@
           <a:p>
             <a:fld id="{6F01DA4D-20EA-48D2-973C-0311EC3005D6}" type="datetimeFigureOut">
               <a:rPr lang="en-US" smtClean="0"/>
-              <a:t>1/5/2025</a:t>
+              <a:t>4/3/2025</a:t>
             </a:fld>
             <a:endParaRPr lang="en-US"/>
           </a:p>
@@ -1607,7 +1607,7 @@
           <a:p>
             <a:fld id="{6F01DA4D-20EA-48D2-973C-0311EC3005D6}" type="datetimeFigureOut">
               <a:rPr lang="en-US" smtClean="0"/>
-              <a:t>1/5/2025</a:t>
+              <a:t>4/3/2025</a:t>
             </a:fld>
             <a:endParaRPr lang="en-US"/>
           </a:p>
@@ -1974,7 +1974,7 @@
           <a:p>
             <a:fld id="{6F01DA4D-20EA-48D2-973C-0311EC3005D6}" type="datetimeFigureOut">
               <a:rPr lang="en-US" smtClean="0"/>
-              <a:t>1/5/2025</a:t>
+              <a:t>4/3/2025</a:t>
             </a:fld>
             <a:endParaRPr lang="en-US"/>
           </a:p>
@@ -2092,7 +2092,7 @@
           <a:p>
             <a:fld id="{6F01DA4D-20EA-48D2-973C-0311EC3005D6}" type="datetimeFigureOut">
               <a:rPr lang="en-US" smtClean="0"/>
-              <a:t>1/5/2025</a:t>
+              <a:t>4/3/2025</a:t>
             </a:fld>
             <a:endParaRPr lang="en-US"/>
           </a:p>
@@ -2187,7 +2187,7 @@
           <a:p>
             <a:fld id="{6F01DA4D-20EA-48D2-973C-0311EC3005D6}" type="datetimeFigureOut">
               <a:rPr lang="en-US" smtClean="0"/>
-              <a:t>1/5/2025</a:t>
+              <a:t>4/3/2025</a:t>
             </a:fld>
             <a:endParaRPr lang="en-US"/>
           </a:p>
@@ -2464,7 +2464,7 @@
           <a:p>
             <a:fld id="{6F01DA4D-20EA-48D2-973C-0311EC3005D6}" type="datetimeFigureOut">
               <a:rPr lang="en-US" smtClean="0"/>
-              <a:t>1/5/2025</a:t>
+              <a:t>4/3/2025</a:t>
             </a:fld>
             <a:endParaRPr lang="en-US"/>
           </a:p>
@@ -2717,7 +2717,7 @@
           <a:p>
             <a:fld id="{6F01DA4D-20EA-48D2-973C-0311EC3005D6}" type="datetimeFigureOut">
               <a:rPr lang="en-US" smtClean="0"/>
-              <a:t>1/5/2025</a:t>
+              <a:t>4/3/2025</a:t>
             </a:fld>
             <a:endParaRPr lang="en-US"/>
           </a:p>
@@ -2930,7 +2930,7 @@
           <a:p>
             <a:fld id="{6F01DA4D-20EA-48D2-973C-0311EC3005D6}" type="datetimeFigureOut">
               <a:rPr lang="en-US" smtClean="0"/>
-              <a:t>1/5/2025</a:t>
+              <a:t>4/3/2025</a:t>
             </a:fld>
             <a:endParaRPr lang="en-US"/>
           </a:p>
@@ -3351,7 +3351,7 @@
         </p:nvSpPr>
         <p:spPr>
           <a:xfrm>
-            <a:off x="1865477" y="1800904"/>
+            <a:off x="1954854" y="1787153"/>
             <a:ext cx="7216645" cy="2554545"/>
           </a:xfrm>
           <a:prstGeom prst="rect">
@@ -3367,7 +3367,7 @@
           <a:p>
             <a:pPr algn="ctr"/>
             <a:r>
-              <a:rPr lang="fr-FR" sz="8000" b="1" dirty="0" smtClean="0">
+              <a:rPr lang="en" sz="8000" b="1" dirty="0" smtClean="0">
                 <a:solidFill>
                   <a:srgbClr val="7030A0"/>
                 </a:solidFill>
@@ -3375,10 +3375,13 @@
                 <a:ea typeface="Verdana" panose="020B0604030504040204" pitchFamily="34" charset="0"/>
                 <a:cs typeface="Segoe UI" panose="020B0502040204020203" pitchFamily="34" charset="0"/>
               </a:rPr>
-              <a:t>The </a:t>
-            </a:r>
-            <a:r>
-              <a:rPr lang="fr-FR" sz="8000" b="1" dirty="0" smtClean="0">
+              <a:t>The key</a:t>
+            </a:r>
+          </a:p>
+          <a:p>
+            <a:pPr algn="ctr"/>
+            <a:r>
+              <a:rPr lang="en" sz="8000" b="1" dirty="0" smtClean="0">
                 <a:solidFill>
                   <a:srgbClr val="7030A0"/>
                 </a:solidFill>
@@ -3386,7 +3389,7 @@
                 <a:ea typeface="Verdana" panose="020B0604030504040204" pitchFamily="34" charset="0"/>
                 <a:cs typeface="Segoe UI" panose="020B0502040204020203" pitchFamily="34" charset="0"/>
               </a:rPr>
-              <a:t>Key influencer</a:t>
+              <a:t>influencer</a:t>
             </a:r>
             <a:endParaRPr lang="en-US" sz="8000" b="1" dirty="0">
               <a:solidFill>
@@ -3423,7 +3426,7 @@
           <a:p>
             <a:pPr algn="ctr"/>
             <a:r>
-              <a:rPr lang="fr-FR" sz="8000" b="1" dirty="0" smtClean="0">
+              <a:rPr lang="en" sz="8000" b="1" dirty="0" smtClean="0">
                 <a:solidFill>
                   <a:schemeClr val="bg1"/>
                 </a:solidFill>
@@ -3434,7 +3437,7 @@
               <a:t>The </a:t>
             </a:r>
             <a:r>
-              <a:rPr lang="fr-FR" sz="8000" b="1" dirty="0">
+              <a:rPr lang="en" sz="8000" b="1" dirty="0">
                 <a:solidFill>
                   <a:schemeClr val="bg1"/>
                 </a:solidFill>
@@ -3442,24 +3445,13 @@
                 <a:ea typeface="Verdana" panose="020B0604030504040204" pitchFamily="34" charset="0"/>
                 <a:cs typeface="Segoe UI" panose="020B0502040204020203" pitchFamily="34" charset="0"/>
               </a:rPr>
-              <a:t>K</a:t>
-            </a:r>
-            <a:r>
-              <a:rPr lang="fr-FR" sz="8000" b="1" dirty="0" smtClean="0">
-                <a:solidFill>
-                  <a:schemeClr val="bg1"/>
-                </a:solidFill>
-                <a:latin typeface="Segoe UI" panose="020B0502040204020203" pitchFamily="34" charset="0"/>
-                <a:ea typeface="Verdana" panose="020B0604030504040204" pitchFamily="34" charset="0"/>
-                <a:cs typeface="Segoe UI" panose="020B0502040204020203" pitchFamily="34" charset="0"/>
-              </a:rPr>
-              <a:t>ey</a:t>
+              <a:t>key</a:t>
             </a:r>
           </a:p>
           <a:p>
             <a:pPr algn="ctr"/>
             <a:r>
-              <a:rPr lang="fr-FR" sz="8000" b="1" dirty="0" smtClean="0">
+              <a:rPr lang="en" sz="8000" b="1" dirty="0" smtClean="0">
                 <a:solidFill>
                   <a:schemeClr val="bg1"/>
                 </a:solidFill>
@@ -3543,7 +3535,7 @@
         <p:spPr>
           <a:xfrm>
             <a:off x="323133" y="192505"/>
-            <a:ext cx="2676502" cy="461665"/>
+            <a:ext cx="2722092" cy="461665"/>
           </a:xfrm>
           <a:prstGeom prst="rect">
             <a:avLst/>
@@ -3557,20 +3549,34 @@
           <a:lstStyle/>
           <a:p>
             <a:r>
-              <a:rPr lang="en-US" sz="2400" dirty="0" smtClean="0">
+              <a:rPr lang="en" sz="2400" b="1" dirty="0" smtClean="0">
                 <a:latin typeface="Segoe UI" panose="020B0502040204020203" pitchFamily="34" charset="0"/>
                 <a:cs typeface="Segoe UI" panose="020B0502040204020203" pitchFamily="34" charset="0"/>
               </a:rPr>
               <a:t>The </a:t>
             </a:r>
             <a:r>
-              <a:rPr lang="en-US" sz="2400" dirty="0" smtClean="0">
-                <a:latin typeface="Segoe UI" panose="020B0502040204020203" pitchFamily="34" charset="0"/>
-                <a:cs typeface="Segoe UI" panose="020B0502040204020203" pitchFamily="34" charset="0"/>
-              </a:rPr>
-              <a:t>Key influencer</a:t>
-            </a:r>
-            <a:endParaRPr lang="en-US" sz="2400" dirty="0">
+              <a:rPr lang="en" sz="2400" b="1" dirty="0" err="1" smtClean="0">
+                <a:latin typeface="Segoe UI" panose="020B0502040204020203" pitchFamily="34" charset="0"/>
+                <a:cs typeface="Segoe UI" panose="020B0502040204020203" pitchFamily="34" charset="0"/>
+              </a:rPr>
+              <a:t>key</a:t>
+            </a:r>
+            <a:r>
+              <a:rPr lang="en" sz="2400" b="1" dirty="0" smtClean="0">
+                <a:latin typeface="Segoe UI" panose="020B0502040204020203" pitchFamily="34" charset="0"/>
+                <a:cs typeface="Segoe UI" panose="020B0502040204020203" pitchFamily="34" charset="0"/>
+              </a:rPr>
+              <a:t> </a:t>
+            </a:r>
+            <a:r>
+              <a:rPr lang="en" sz="2400" b="1" dirty="0" err="1" smtClean="0">
+                <a:latin typeface="Segoe UI" panose="020B0502040204020203" pitchFamily="34" charset="0"/>
+                <a:cs typeface="Segoe UI" panose="020B0502040204020203" pitchFamily="34" charset="0"/>
+              </a:rPr>
+              <a:t>influencer</a:t>
+            </a:r>
+            <a:endParaRPr lang="en-US" sz="2400" b="1" dirty="0">
               <a:latin typeface="Segoe UI" panose="020B0502040204020203" pitchFamily="34" charset="0"/>
               <a:cs typeface="Segoe UI" panose="020B0502040204020203" pitchFamily="34" charset="0"/>
             </a:endParaRPr>
@@ -3585,8 +3591,8 @@
         </p:nvCxnSpPr>
         <p:spPr>
           <a:xfrm>
-            <a:off x="4647627" y="1354412"/>
-            <a:ext cx="4572000" cy="412511"/>
+            <a:off x="6723934" y="1705047"/>
+            <a:ext cx="2495693" cy="61876"/>
           </a:xfrm>
           <a:prstGeom prst="straightConnector1">
             <a:avLst/>
@@ -3621,8 +3627,8 @@
         </p:nvCxnSpPr>
         <p:spPr>
           <a:xfrm>
-            <a:off x="4812632" y="1925053"/>
-            <a:ext cx="5218267" cy="763145"/>
+            <a:off x="5617029" y="2531376"/>
+            <a:ext cx="4413870" cy="156822"/>
           </a:xfrm>
           <a:prstGeom prst="straightConnector1">
             <a:avLst/>
@@ -3659,7 +3665,7 @@
         </p:nvSpPr>
         <p:spPr bwMode="auto">
           <a:xfrm>
-            <a:off x="323133" y="527273"/>
+            <a:off x="323133" y="1118537"/>
             <a:ext cx="6620807" cy="3139321"/>
           </a:xfrm>
           <a:prstGeom prst="rect">
@@ -3723,7 +3729,7 @@
               <a:tabLst/>
             </a:pPr>
             <a:r>
-              <a:rPr kumimoji="0" lang="en-US" altLang="en-US" b="1" i="0" u="none" strike="noStrike" cap="none" normalizeH="0" baseline="0" dirty="0" smtClean="0">
+              <a:rPr kumimoji="0" lang="en" altLang="en-US" b="1" i="0" u="none" strike="noStrike" cap="none" normalizeH="0" baseline="0" dirty="0" smtClean="0">
                 <a:ln>
                   <a:noFill/>
                 </a:ln>
@@ -3734,10 +3740,10 @@
                 <a:latin typeface="Segoe UI" panose="020B0502040204020203" pitchFamily="34" charset="0"/>
                 <a:cs typeface="Segoe UI" panose="020B0502040204020203" pitchFamily="34" charset="0"/>
               </a:rPr>
-              <a:t>Role in Org as "Consumer"</a:t>
-            </a:r>
-            <a:r>
-              <a:rPr kumimoji="0" lang="en-US" altLang="en-US" b="0" i="0" u="none" strike="noStrike" cap="none" normalizeH="0" baseline="0" dirty="0" smtClean="0">
+              <a:t>Role in the organization as a “consumer” </a:t>
+            </a:r>
+            <a:r>
+              <a:rPr kumimoji="0" lang="en" altLang="en-US" b="0" i="0" u="none" strike="noStrike" cap="none" normalizeH="0" baseline="0" dirty="0" smtClean="0">
                 <a:ln>
                   <a:noFill/>
                 </a:ln>
@@ -3794,7 +3800,7 @@
               <a:tabLst/>
             </a:pPr>
             <a:r>
-              <a:rPr kumimoji="0" lang="en-US" altLang="en-US" b="0" i="0" u="none" strike="noStrike" cap="none" normalizeH="0" baseline="0" dirty="0" smtClean="0">
+              <a:rPr kumimoji="0" lang="en" altLang="en-US" b="0" i="0" u="none" strike="noStrike" cap="none" normalizeH="0" baseline="0" dirty="0" smtClean="0">
                 <a:ln>
                   <a:noFill/>
                 </a:ln>
@@ -3805,10 +3811,10 @@
                 <a:latin typeface="Segoe UI" panose="020B0502040204020203" pitchFamily="34" charset="0"/>
                 <a:cs typeface="Segoe UI" panose="020B0502040204020203" pitchFamily="34" charset="0"/>
               </a:rPr>
-              <a:t>The chart indicates </a:t>
-            </a:r>
-            <a:r>
-              <a:rPr kumimoji="0" lang="en-US" altLang="en-US" b="1" i="0" u="none" strike="noStrike" cap="none" normalizeH="0" baseline="0" dirty="0" smtClean="0">
+              <a:t>The graph shows that </a:t>
+            </a:r>
+            <a:r>
+              <a:rPr kumimoji="0" lang="en" altLang="en-US" b="1" i="0" u="none" strike="noStrike" cap="none" normalizeH="0" baseline="0" dirty="0" smtClean="0">
                 <a:ln>
                   <a:noFill/>
                 </a:ln>
@@ -3819,10 +3825,10 @@
                 <a:latin typeface="Segoe UI" panose="020B0502040204020203" pitchFamily="34" charset="0"/>
                 <a:cs typeface="Segoe UI" panose="020B0502040204020203" pitchFamily="34" charset="0"/>
               </a:rPr>
-              <a:t>Consumers</a:t>
-            </a:r>
-            <a:r>
-              <a:rPr kumimoji="0" lang="en-US" altLang="en-US" b="0" i="0" u="none" strike="noStrike" cap="none" normalizeH="0" baseline="0" dirty="0" smtClean="0">
+              <a:t>consumers </a:t>
+            </a:r>
+            <a:r>
+              <a:rPr kumimoji="0" lang="en" altLang="en-US" b="0" i="0" u="none" strike="noStrike" cap="none" normalizeH="0" baseline="0" dirty="0" smtClean="0">
                 <a:ln>
                   <a:noFill/>
                 </a:ln>
@@ -3833,10 +3839,10 @@
                 <a:latin typeface="Segoe UI" panose="020B0502040204020203" pitchFamily="34" charset="0"/>
                 <a:cs typeface="Segoe UI" panose="020B0502040204020203" pitchFamily="34" charset="0"/>
               </a:rPr>
-              <a:t> are </a:t>
-            </a:r>
-            <a:r>
-              <a:rPr kumimoji="0" lang="en-US" altLang="en-US" b="1" i="0" u="none" strike="noStrike" cap="none" normalizeH="0" baseline="0" dirty="0" smtClean="0">
+              <a:t>are </a:t>
+            </a:r>
+            <a:r>
+              <a:rPr kumimoji="0" lang="en" altLang="en-US" b="1" i="0" u="none" strike="noStrike" cap="none" normalizeH="0" baseline="0" dirty="0" smtClean="0">
                 <a:ln>
                   <a:noFill/>
                 </a:ln>
@@ -3847,10 +3853,10 @@
                 <a:latin typeface="Segoe UI" panose="020B0502040204020203" pitchFamily="34" charset="0"/>
                 <a:cs typeface="Segoe UI" panose="020B0502040204020203" pitchFamily="34" charset="0"/>
               </a:rPr>
-              <a:t>2.57x</a:t>
-            </a:r>
-            <a:r>
-              <a:rPr kumimoji="0" lang="en-US" altLang="en-US" b="0" i="0" u="none" strike="noStrike" cap="none" normalizeH="0" baseline="0" dirty="0" smtClean="0">
+              <a:t>2.57 times </a:t>
+            </a:r>
+            <a:r>
+              <a:rPr kumimoji="0" lang="en" altLang="en-US" b="0" i="0" u="none" strike="noStrike" cap="none" normalizeH="0" baseline="0" dirty="0" smtClean="0">
                 <a:ln>
                   <a:noFill/>
                 </a:ln>
@@ -3861,10 +3867,10 @@
                 <a:latin typeface="Segoe UI" panose="020B0502040204020203" pitchFamily="34" charset="0"/>
                 <a:cs typeface="Segoe UI" panose="020B0502040204020203" pitchFamily="34" charset="0"/>
               </a:rPr>
-              <a:t> more likely to give low ratings. The bar chart shows </a:t>
-            </a:r>
-            <a:r>
-              <a:rPr kumimoji="0" lang="en-US" altLang="en-US" b="1" i="0" u="none" strike="noStrike" cap="none" normalizeH="0" baseline="0" dirty="0" smtClean="0">
+              <a:t>more likely to give poor ratings. The bar graph shows that </a:t>
+            </a:r>
+            <a:r>
+              <a:rPr kumimoji="0" lang="en" altLang="en-US" b="1" i="0" u="none" strike="noStrike" cap="none" normalizeH="0" baseline="0" dirty="0" smtClean="0">
                 <a:ln>
                   <a:noFill/>
                 </a:ln>
@@ -3875,10 +3881,10 @@
                 <a:latin typeface="Segoe UI" panose="020B0502040204020203" pitchFamily="34" charset="0"/>
                 <a:cs typeface="Segoe UI" panose="020B0502040204020203" pitchFamily="34" charset="0"/>
               </a:rPr>
-              <a:t>Consumers</a:t>
-            </a:r>
-            <a:r>
-              <a:rPr kumimoji="0" lang="en-US" altLang="en-US" b="0" i="0" u="none" strike="noStrike" cap="none" normalizeH="0" baseline="0" dirty="0" smtClean="0">
+              <a:t>consumers </a:t>
+            </a:r>
+            <a:r>
+              <a:rPr kumimoji="0" lang="en" altLang="en-US" b="0" i="0" u="none" strike="noStrike" cap="none" normalizeH="0" baseline="0" dirty="0" smtClean="0">
                 <a:ln>
                   <a:noFill/>
                 </a:ln>
@@ -3889,10 +3895,10 @@
                 <a:latin typeface="Segoe UI" panose="020B0502040204020203" pitchFamily="34" charset="0"/>
                 <a:cs typeface="Segoe UI" panose="020B0502040204020203" pitchFamily="34" charset="0"/>
               </a:rPr>
-              <a:t> exceed the average percentage of low ratings (</a:t>
-            </a:r>
-            <a:r>
-              <a:rPr kumimoji="0" lang="en-US" altLang="en-US" b="1" i="0" u="none" strike="noStrike" cap="none" normalizeH="0" baseline="0" dirty="0" smtClean="0">
+              <a:t>exceed the average percentage of poor ratings ( </a:t>
+            </a:r>
+            <a:r>
+              <a:rPr kumimoji="0" lang="en" altLang="en-US" b="1" i="0" u="none" strike="noStrike" cap="none" normalizeH="0" baseline="0" dirty="0" smtClean="0">
                 <a:ln>
                   <a:noFill/>
                 </a:ln>
@@ -3903,10 +3909,10 @@
                 <a:latin typeface="Segoe UI" panose="020B0502040204020203" pitchFamily="34" charset="0"/>
                 <a:cs typeface="Segoe UI" panose="020B0502040204020203" pitchFamily="34" charset="0"/>
               </a:rPr>
-              <a:t>5.78%</a:t>
-            </a:r>
-            <a:r>
-              <a:rPr kumimoji="0" lang="en-US" altLang="en-US" b="0" i="0" u="none" strike="noStrike" cap="none" normalizeH="0" baseline="0" dirty="0" smtClean="0">
+              <a:t>5.78% </a:t>
+            </a:r>
+            <a:r>
+              <a:rPr kumimoji="0" lang="en" altLang="en-US" b="0" i="0" u="none" strike="noStrike" cap="none" normalizeH="0" baseline="0" dirty="0" smtClean="0">
                 <a:ln>
                   <a:noFill/>
                 </a:ln>
@@ -3963,7 +3969,7 @@
               <a:tabLst/>
             </a:pPr>
             <a:r>
-              <a:rPr kumimoji="0" lang="en-US" altLang="en-US" b="1" i="0" u="none" strike="noStrike" cap="none" normalizeH="0" baseline="0" dirty="0" smtClean="0">
+              <a:rPr kumimoji="0" lang="en" altLang="en-US" b="1" i="0" u="none" strike="noStrike" cap="none" normalizeH="0" baseline="0" dirty="0" smtClean="0">
                 <a:ln>
                   <a:noFill/>
                 </a:ln>
@@ -3974,10 +3980,10 @@
                 <a:latin typeface="Segoe UI" panose="020B0502040204020203" pitchFamily="34" charset="0"/>
                 <a:cs typeface="Segoe UI" panose="020B0502040204020203" pitchFamily="34" charset="0"/>
               </a:rPr>
-              <a:t>Insight</a:t>
-            </a:r>
-            <a:r>
-              <a:rPr kumimoji="0" lang="en-US" altLang="en-US" b="0" i="0" u="none" strike="noStrike" cap="none" normalizeH="0" baseline="0" dirty="0" smtClean="0">
+              <a:t>Insight </a:t>
+            </a:r>
+            <a:r>
+              <a:rPr kumimoji="0" lang="en" altLang="en-US" b="0" i="0" u="none" strike="noStrike" cap="none" normalizeH="0" baseline="0" dirty="0" smtClean="0">
                 <a:ln>
                   <a:noFill/>
                 </a:ln>
@@ -4034,7 +4040,7 @@
               <a:tabLst/>
             </a:pPr>
             <a:r>
-              <a:rPr kumimoji="0" lang="en-US" altLang="en-US" b="1" i="0" u="none" strike="noStrike" cap="none" normalizeH="0" baseline="0" dirty="0" smtClean="0">
+              <a:rPr kumimoji="0" lang="en" altLang="en-US" b="1" i="0" u="none" strike="noStrike" cap="none" normalizeH="0" baseline="0" dirty="0" smtClean="0">
                 <a:ln>
                   <a:noFill/>
                 </a:ln>
@@ -4045,10 +4051,10 @@
                 <a:latin typeface="Segoe UI" panose="020B0502040204020203" pitchFamily="34" charset="0"/>
                 <a:cs typeface="Segoe UI" panose="020B0502040204020203" pitchFamily="34" charset="0"/>
               </a:rPr>
-              <a:t>Recommendation</a:t>
-            </a:r>
-            <a:r>
-              <a:rPr kumimoji="0" lang="en-US" altLang="en-US" b="0" i="0" u="none" strike="noStrike" cap="none" normalizeH="0" baseline="0" dirty="0" smtClean="0">
+              <a:t>Recommendation </a:t>
+            </a:r>
+            <a:r>
+              <a:rPr kumimoji="0" lang="en" altLang="en-US" b="0" i="0" u="none" strike="noStrike" cap="none" normalizeH="0" baseline="0" dirty="0" smtClean="0">
                 <a:ln>
                   <a:noFill/>
                 </a:ln>
@@ -4059,7 +4065,7 @@
                 <a:latin typeface="Segoe UI" panose="020B0502040204020203" pitchFamily="34" charset="0"/>
                 <a:cs typeface="Segoe UI" panose="020B0502040204020203" pitchFamily="34" charset="0"/>
               </a:rPr>
-              <a:t>: Investigate their challenges and prioritize resolving their pain points.</a:t>
+              <a:t>: Study their challenges and prioritize solving their problems.</a:t>
             </a:r>
           </a:p>
           <a:p>
@@ -4156,7 +4162,7 @@
         <p:spPr>
           <a:xfrm>
             <a:off x="323133" y="192505"/>
-            <a:ext cx="2676502" cy="461665"/>
+            <a:ext cx="2722092" cy="461665"/>
           </a:xfrm>
           <a:prstGeom prst="rect">
             <a:avLst/>
@@ -4170,20 +4176,34 @@
           <a:lstStyle/>
           <a:p>
             <a:r>
-              <a:rPr lang="en-US" sz="2400" dirty="0" smtClean="0">
+              <a:rPr lang="en" sz="2400" b="1" dirty="0" smtClean="0">
                 <a:latin typeface="Segoe UI" panose="020B0502040204020203" pitchFamily="34" charset="0"/>
                 <a:cs typeface="Segoe UI" panose="020B0502040204020203" pitchFamily="34" charset="0"/>
               </a:rPr>
               <a:t>The </a:t>
             </a:r>
             <a:r>
-              <a:rPr lang="en-US" sz="2400" dirty="0" smtClean="0">
-                <a:latin typeface="Segoe UI" panose="020B0502040204020203" pitchFamily="34" charset="0"/>
-                <a:cs typeface="Segoe UI" panose="020B0502040204020203" pitchFamily="34" charset="0"/>
-              </a:rPr>
-              <a:t>Key influencer</a:t>
-            </a:r>
-            <a:endParaRPr lang="en-US" sz="2400" dirty="0">
+              <a:rPr lang="en" sz="2400" b="1" dirty="0" err="1" smtClean="0">
+                <a:latin typeface="Segoe UI" panose="020B0502040204020203" pitchFamily="34" charset="0"/>
+                <a:cs typeface="Segoe UI" panose="020B0502040204020203" pitchFamily="34" charset="0"/>
+              </a:rPr>
+              <a:t>key</a:t>
+            </a:r>
+            <a:r>
+              <a:rPr lang="en" sz="2400" b="1" dirty="0" smtClean="0">
+                <a:latin typeface="Segoe UI" panose="020B0502040204020203" pitchFamily="34" charset="0"/>
+                <a:cs typeface="Segoe UI" panose="020B0502040204020203" pitchFamily="34" charset="0"/>
+              </a:rPr>
+              <a:t> </a:t>
+            </a:r>
+            <a:r>
+              <a:rPr lang="en" sz="2400" b="1" dirty="0" err="1" smtClean="0">
+                <a:latin typeface="Segoe UI" panose="020B0502040204020203" pitchFamily="34" charset="0"/>
+                <a:cs typeface="Segoe UI" panose="020B0502040204020203" pitchFamily="34" charset="0"/>
+              </a:rPr>
+              <a:t>influencer</a:t>
+            </a:r>
+            <a:endParaRPr lang="en-US" sz="2400" b="1" dirty="0">
               <a:latin typeface="Segoe UI" panose="020B0502040204020203" pitchFamily="34" charset="0"/>
               <a:cs typeface="Segoe UI" panose="020B0502040204020203" pitchFamily="34" charset="0"/>
             </a:endParaRPr>
@@ -4284,46 +4304,46 @@
           <a:lstStyle/>
           <a:p>
             <a:r>
-              <a:rPr lang="en-US" b="1" dirty="0" smtClean="0"/>
+              <a:rPr lang="en" b="1" dirty="0" smtClean="0"/>
               <a:t>Themes and company sizes </a:t>
             </a:r>
             <a:r>
-              <a:rPr lang="en-US" dirty="0" smtClean="0"/>
+              <a:rPr lang="en" dirty="0" smtClean="0"/>
               <a:t>:</a:t>
             </a:r>
             <a:endParaRPr lang="en-US" dirty="0"/>
           </a:p>
           <a:p>
             <a:r>
-              <a:rPr lang="en-US" b="1" dirty="0"/>
-              <a:t>Usability</a:t>
-            </a:r>
-            <a:r>
-              <a:rPr lang="en-US" dirty="0"/>
-              <a:t> and </a:t>
-            </a:r>
-            <a:r>
-              <a:rPr lang="en-US" b="1" dirty="0"/>
-              <a:t>Security</a:t>
-            </a:r>
-            <a:r>
-              <a:rPr lang="en-US" dirty="0"/>
-              <a:t> issues significantly influence low ratings (</a:t>
-            </a:r>
-            <a:r>
-              <a:rPr lang="en-US" b="1" dirty="0"/>
-              <a:t>2.55x</a:t>
-            </a:r>
-            <a:r>
-              <a:rPr lang="en-US" dirty="0"/>
-              <a:t> and </a:t>
-            </a:r>
-            <a:r>
-              <a:rPr lang="en-US" b="1" dirty="0"/>
-              <a:t>2.09x</a:t>
-            </a:r>
-            <a:r>
-              <a:rPr lang="en-US" dirty="0"/>
+              <a:rPr lang="en" b="1" dirty="0"/>
+              <a:t>usability </a:t>
+            </a:r>
+            <a:r>
+              <a:rPr lang="en" dirty="0"/>
+              <a:t>and </a:t>
+            </a:r>
+            <a:r>
+              <a:rPr lang="en" b="1" dirty="0"/>
+              <a:t>security </a:t>
+            </a:r>
+            <a:r>
+              <a:rPr lang="en" dirty="0"/>
+              <a:t>significantly influence low scores ( </a:t>
+            </a:r>
+            <a:r>
+              <a:rPr lang="en" b="1" dirty="0"/>
+              <a:t>2.55x </a:t>
+            </a:r>
+            <a:r>
+              <a:rPr lang="en" dirty="0"/>
+              <a:t>and </a:t>
+            </a:r>
+            <a:r>
+              <a:rPr lang="en" b="1" dirty="0"/>
+              <a:t>2.09x </a:t>
+            </a:r>
+            <a:r>
+              <a:rPr lang="en" dirty="0"/>
               <a:t>, respectively).</a:t>
             </a:r>
           </a:p>
@@ -4332,16 +4352,16 @@
           </a:p>
           <a:p>
             <a:r>
-              <a:rPr lang="en-US" dirty="0" smtClean="0"/>
-              <a:t>Smaller companies (&lt;5,000 employees) are </a:t>
-            </a:r>
-            <a:r>
-              <a:rPr lang="en-US" b="1" dirty="0" smtClean="0"/>
-              <a:t>1.48x</a:t>
-            </a:r>
-            <a:r>
-              <a:rPr lang="en-US" dirty="0" smtClean="0"/>
-              <a:t> more likely to provide low ratings.</a:t>
+              <a:rPr lang="en" dirty="0" smtClean="0"/>
+              <a:t>Small businesses (&lt;5,000 employees) are </a:t>
+            </a:r>
+            <a:r>
+              <a:rPr lang="en" b="1" dirty="0" smtClean="0"/>
+              <a:t>1.48 times </a:t>
+            </a:r>
+            <a:r>
+              <a:rPr lang="en" dirty="0" smtClean="0"/>
+              <a:t>more likely to give poor ratings.</a:t>
             </a:r>
           </a:p>
           <a:p>
@@ -4349,12 +4369,12 @@
           </a:p>
           <a:p>
             <a:r>
-              <a:rPr lang="en-US" b="1" dirty="0" smtClean="0"/>
-              <a:t>Insight</a:t>
-            </a:r>
-            <a:r>
-              <a:rPr lang="en-US" dirty="0"/>
-              <a:t>: Usability and Security are key dissatisfaction drivers, especially for smaller companies.</a:t>
+              <a:rPr lang="en" b="1" dirty="0" smtClean="0"/>
+              <a:t>Insight </a:t>
+            </a:r>
+            <a:r>
+              <a:rPr lang="en" dirty="0"/>
+              <a:t>: Usability and security are major dissatisfaction factors, especially for small businesses.</a:t>
             </a:r>
           </a:p>
           <a:p>
@@ -4362,12 +4382,12 @@
           </a:p>
           <a:p>
             <a:r>
-              <a:rPr lang="en-US" b="1" dirty="0" smtClean="0"/>
-              <a:t>Recommendation</a:t>
-            </a:r>
-            <a:r>
-              <a:rPr lang="en-US" dirty="0"/>
-              <a:t>: Improve usability and security aspects, targeting smaller businesses.</a:t>
+              <a:rPr lang="en" b="1" dirty="0" smtClean="0"/>
+              <a:t>Recommendation </a:t>
+            </a:r>
+            <a:r>
+              <a:rPr lang="en" dirty="0"/>
+              <a:t>: Improve usability and security aspects, targeting small businesses.</a:t>
             </a:r>
           </a:p>
         </p:txBody>
@@ -4380,8 +4400,8 @@
         </p:nvCxnSpPr>
         <p:spPr>
           <a:xfrm>
-            <a:off x="2397147" y="2381484"/>
-            <a:ext cx="4938679" cy="471719"/>
+            <a:off x="4709504" y="2337564"/>
+            <a:ext cx="2626322" cy="515639"/>
           </a:xfrm>
           <a:prstGeom prst="straightConnector1">
             <a:avLst/>
@@ -4471,7 +4491,7 @@
         <p:spPr>
           <a:xfrm>
             <a:off x="323133" y="192505"/>
-            <a:ext cx="2676502" cy="461665"/>
+            <a:ext cx="2550698" cy="461665"/>
           </a:xfrm>
           <a:prstGeom prst="rect">
             <a:avLst/>
@@ -4485,18 +4505,32 @@
           <a:lstStyle/>
           <a:p>
             <a:r>
-              <a:rPr lang="en-US" sz="2400" dirty="0" smtClean="0">
+              <a:rPr lang="en" sz="2400" dirty="0" smtClean="0">
                 <a:latin typeface="Segoe UI" panose="020B0502040204020203" pitchFamily="34" charset="0"/>
                 <a:cs typeface="Segoe UI" panose="020B0502040204020203" pitchFamily="34" charset="0"/>
               </a:rPr>
               <a:t>The </a:t>
             </a:r>
             <a:r>
-              <a:rPr lang="en-US" sz="2400" dirty="0" smtClean="0">
-                <a:latin typeface="Segoe UI" panose="020B0502040204020203" pitchFamily="34" charset="0"/>
-                <a:cs typeface="Segoe UI" panose="020B0502040204020203" pitchFamily="34" charset="0"/>
-              </a:rPr>
-              <a:t>Key influencer</a:t>
+              <a:rPr lang="en" sz="2400" dirty="0" err="1" smtClean="0">
+                <a:latin typeface="Segoe UI" panose="020B0502040204020203" pitchFamily="34" charset="0"/>
+                <a:cs typeface="Segoe UI" panose="020B0502040204020203" pitchFamily="34" charset="0"/>
+              </a:rPr>
+              <a:t>key</a:t>
+            </a:r>
+            <a:r>
+              <a:rPr lang="en" sz="2400" dirty="0" smtClean="0">
+                <a:latin typeface="Segoe UI" panose="020B0502040204020203" pitchFamily="34" charset="0"/>
+                <a:cs typeface="Segoe UI" panose="020B0502040204020203" pitchFamily="34" charset="0"/>
+              </a:rPr>
+              <a:t> </a:t>
+            </a:r>
+            <a:r>
+              <a:rPr lang="en" sz="2400" dirty="0" err="1" smtClean="0">
+                <a:latin typeface="Segoe UI" panose="020B0502040204020203" pitchFamily="34" charset="0"/>
+                <a:cs typeface="Segoe UI" panose="020B0502040204020203" pitchFamily="34" charset="0"/>
+              </a:rPr>
+              <a:t>influencer</a:t>
             </a:r>
             <a:endParaRPr lang="en-US" sz="2400" dirty="0">
               <a:latin typeface="Segoe UI" panose="020B0502040204020203" pitchFamily="34" charset="0"/>
@@ -4513,8 +4547,8 @@
         </p:nvCxnSpPr>
         <p:spPr>
           <a:xfrm>
-            <a:off x="5754532" y="1742860"/>
-            <a:ext cx="1581294" cy="1389183"/>
+            <a:off x="5967663" y="1333786"/>
+            <a:ext cx="1368163" cy="1798257"/>
           </a:xfrm>
           <a:prstGeom prst="straightConnector1">
             <a:avLst/>
@@ -4563,14 +4597,14 @@
           <a:lstStyle/>
           <a:p>
             <a:r>
-              <a:rPr lang="en-US" b="1" dirty="0">
-                <a:latin typeface="Segoe UI" panose="020B0502040204020203" pitchFamily="34" charset="0"/>
-                <a:cs typeface="Segoe UI" panose="020B0502040204020203" pitchFamily="34" charset="0"/>
-              </a:rPr>
-              <a:t>Regions</a:t>
-            </a:r>
-            <a:r>
-              <a:rPr lang="en-US" dirty="0">
+              <a:rPr lang="en" b="1" dirty="0">
+                <a:latin typeface="Segoe UI" panose="020B0502040204020203" pitchFamily="34" charset="0"/>
+                <a:cs typeface="Segoe UI" panose="020B0502040204020203" pitchFamily="34" charset="0"/>
+              </a:rPr>
+              <a:t>Regions </a:t>
+            </a:r>
+            <a:r>
+              <a:rPr lang="en" dirty="0">
                 <a:latin typeface="Segoe UI" panose="020B0502040204020203" pitchFamily="34" charset="0"/>
                 <a:cs typeface="Segoe UI" panose="020B0502040204020203" pitchFamily="34" charset="0"/>
               </a:rPr>
@@ -4580,52 +4614,52 @@
           <a:p>
             <a:pPr lvl="1"/>
             <a:r>
-              <a:rPr lang="en-US" b="1" dirty="0">
-                <a:latin typeface="Segoe UI" panose="020B0502040204020203" pitchFamily="34" charset="0"/>
-                <a:cs typeface="Segoe UI" panose="020B0502040204020203" pitchFamily="34" charset="0"/>
-              </a:rPr>
-              <a:t>France</a:t>
-            </a:r>
-            <a:r>
-              <a:rPr lang="en-US" dirty="0">
-                <a:latin typeface="Segoe UI" panose="020B0502040204020203" pitchFamily="34" charset="0"/>
-                <a:cs typeface="Segoe UI" panose="020B0502040204020203" pitchFamily="34" charset="0"/>
-              </a:rPr>
-              <a:t> is </a:t>
-            </a:r>
-            <a:r>
-              <a:rPr lang="en-US" b="1" dirty="0">
-                <a:latin typeface="Segoe UI" panose="020B0502040204020203" pitchFamily="34" charset="0"/>
-                <a:cs typeface="Segoe UI" panose="020B0502040204020203" pitchFamily="34" charset="0"/>
-              </a:rPr>
-              <a:t>1.44x</a:t>
-            </a:r>
-            <a:r>
-              <a:rPr lang="en-US" dirty="0">
-                <a:latin typeface="Segoe UI" panose="020B0502040204020203" pitchFamily="34" charset="0"/>
-                <a:cs typeface="Segoe UI" panose="020B0502040204020203" pitchFamily="34" charset="0"/>
-              </a:rPr>
-              <a:t> more likely to yield low ratings.</a:t>
+              <a:rPr lang="en" b="1" dirty="0">
+                <a:latin typeface="Segoe UI" panose="020B0502040204020203" pitchFamily="34" charset="0"/>
+                <a:cs typeface="Segoe UI" panose="020B0502040204020203" pitchFamily="34" charset="0"/>
+              </a:rPr>
+              <a:t>France </a:t>
+            </a:r>
+            <a:r>
+              <a:rPr lang="en" dirty="0">
+                <a:latin typeface="Segoe UI" panose="020B0502040204020203" pitchFamily="34" charset="0"/>
+                <a:cs typeface="Segoe UI" panose="020B0502040204020203" pitchFamily="34" charset="0"/>
+              </a:rPr>
+              <a:t>is </a:t>
+            </a:r>
+            <a:r>
+              <a:rPr lang="en" b="1" dirty="0">
+                <a:latin typeface="Segoe UI" panose="020B0502040204020203" pitchFamily="34" charset="0"/>
+                <a:cs typeface="Segoe UI" panose="020B0502040204020203" pitchFamily="34" charset="0"/>
+              </a:rPr>
+              <a:t>1.44 times </a:t>
+            </a:r>
+            <a:r>
+              <a:rPr lang="en" dirty="0">
+                <a:latin typeface="Segoe UI" panose="020B0502040204020203" pitchFamily="34" charset="0"/>
+                <a:cs typeface="Segoe UI" panose="020B0502040204020203" pitchFamily="34" charset="0"/>
+              </a:rPr>
+              <a:t>more likely to get poor grades.</a:t>
             </a:r>
           </a:p>
           <a:p>
             <a:pPr lvl="1"/>
             <a:r>
-              <a:rPr lang="en-US" b="1" dirty="0">
-                <a:latin typeface="Segoe UI" panose="020B0502040204020203" pitchFamily="34" charset="0"/>
-                <a:cs typeface="Segoe UI" panose="020B0502040204020203" pitchFamily="34" charset="0"/>
-              </a:rPr>
-              <a:t>Insight</a:t>
-            </a:r>
-            <a:r>
-              <a:rPr lang="en-US" dirty="0">
-                <a:latin typeface="Segoe UI" panose="020B0502040204020203" pitchFamily="34" charset="0"/>
-                <a:cs typeface="Segoe UI" panose="020B0502040204020203" pitchFamily="34" charset="0"/>
-              </a:rPr>
-              <a:t>: Regional dissatisfaction may be linked to localized factors</a:t>
-            </a:r>
-            <a:r>
-              <a:rPr lang="en-US" dirty="0" smtClean="0">
+              <a:rPr lang="en" b="1" dirty="0">
+                <a:latin typeface="Segoe UI" panose="020B0502040204020203" pitchFamily="34" charset="0"/>
+                <a:cs typeface="Segoe UI" panose="020B0502040204020203" pitchFamily="34" charset="0"/>
+              </a:rPr>
+              <a:t>Overview </a:t>
+            </a:r>
+            <a:r>
+              <a:rPr lang="en" dirty="0">
+                <a:latin typeface="Segoe UI" panose="020B0502040204020203" pitchFamily="34" charset="0"/>
+                <a:cs typeface="Segoe UI" panose="020B0502040204020203" pitchFamily="34" charset="0"/>
+              </a:rPr>
+              <a:t>: Regional dissatisfaction may be linked to localized factors </a:t>
+            </a:r>
+            <a:r>
+              <a:rPr lang="en" dirty="0" smtClean="0">
                 <a:latin typeface="Segoe UI" panose="020B0502040204020203" pitchFamily="34" charset="0"/>
                 <a:cs typeface="Segoe UI" panose="020B0502040204020203" pitchFamily="34" charset="0"/>
               </a:rPr>
@@ -4642,25 +4676,25 @@
           <a:p>
             <a:pPr lvl="1"/>
             <a:r>
-              <a:rPr lang="en-US" b="1" dirty="0">
-                <a:latin typeface="Segoe UI" panose="020B0502040204020203" pitchFamily="34" charset="0"/>
-                <a:cs typeface="Segoe UI" panose="020B0502040204020203" pitchFamily="34" charset="0"/>
-              </a:rPr>
-              <a:t>Recommendation</a:t>
-            </a:r>
-            <a:r>
-              <a:rPr lang="en-US" dirty="0">
-                <a:latin typeface="Segoe UI" panose="020B0502040204020203" pitchFamily="34" charset="0"/>
-                <a:cs typeface="Segoe UI" panose="020B0502040204020203" pitchFamily="34" charset="0"/>
-              </a:rPr>
-              <a:t>: Investigate and address specific regional </a:t>
-            </a:r>
-            <a:r>
-              <a:rPr lang="en-US" dirty="0" smtClean="0">
-                <a:latin typeface="Segoe UI" panose="020B0502040204020203" pitchFamily="34" charset="0"/>
-                <a:cs typeface="Segoe UI" panose="020B0502040204020203" pitchFamily="34" charset="0"/>
-              </a:rPr>
-              <a:t>concerns, especially in France.</a:t>
+              <a:rPr lang="en" b="1" dirty="0">
+                <a:latin typeface="Segoe UI" panose="020B0502040204020203" pitchFamily="34" charset="0"/>
+                <a:cs typeface="Segoe UI" panose="020B0502040204020203" pitchFamily="34" charset="0"/>
+              </a:rPr>
+              <a:t>Recommendation </a:t>
+            </a:r>
+            <a:r>
+              <a:rPr lang="en" dirty="0">
+                <a:latin typeface="Segoe UI" panose="020B0502040204020203" pitchFamily="34" charset="0"/>
+                <a:cs typeface="Segoe UI" panose="020B0502040204020203" pitchFamily="34" charset="0"/>
+              </a:rPr>
+              <a:t>: Investigate and address </a:t>
+            </a:r>
+            <a:r>
+              <a:rPr lang="en" dirty="0" smtClean="0">
+                <a:latin typeface="Segoe UI" panose="020B0502040204020203" pitchFamily="34" charset="0"/>
+                <a:cs typeface="Segoe UI" panose="020B0502040204020203" pitchFamily="34" charset="0"/>
+              </a:rPr>
+              <a:t>specific regional concerns, particularly in France.</a:t>
             </a:r>
             <a:endParaRPr lang="en-US" dirty="0">
               <a:latin typeface="Segoe UI" panose="020B0502040204020203" pitchFamily="34" charset="0"/>
@@ -4708,7 +4742,7 @@
         <p:spPr>
           <a:xfrm>
             <a:off x="323133" y="192505"/>
-            <a:ext cx="2676502" cy="461665"/>
+            <a:ext cx="2550698" cy="461665"/>
           </a:xfrm>
           <a:prstGeom prst="rect">
             <a:avLst/>
@@ -4722,18 +4756,32 @@
           <a:lstStyle/>
           <a:p>
             <a:r>
-              <a:rPr lang="en-US" sz="2400" dirty="0" smtClean="0">
+              <a:rPr lang="en" sz="2400" dirty="0" smtClean="0">
                 <a:latin typeface="Segoe UI" panose="020B0502040204020203" pitchFamily="34" charset="0"/>
                 <a:cs typeface="Segoe UI" panose="020B0502040204020203" pitchFamily="34" charset="0"/>
               </a:rPr>
               <a:t>The </a:t>
             </a:r>
             <a:r>
-              <a:rPr lang="en-US" sz="2400" dirty="0" smtClean="0">
-                <a:latin typeface="Segoe UI" panose="020B0502040204020203" pitchFamily="34" charset="0"/>
-                <a:cs typeface="Segoe UI" panose="020B0502040204020203" pitchFamily="34" charset="0"/>
-              </a:rPr>
-              <a:t>Key influencer</a:t>
+              <a:rPr lang="en" sz="2400" dirty="0" err="1" smtClean="0">
+                <a:latin typeface="Segoe UI" panose="020B0502040204020203" pitchFamily="34" charset="0"/>
+                <a:cs typeface="Segoe UI" panose="020B0502040204020203" pitchFamily="34" charset="0"/>
+              </a:rPr>
+              <a:t>key</a:t>
+            </a:r>
+            <a:r>
+              <a:rPr lang="en" sz="2400" dirty="0" smtClean="0">
+                <a:latin typeface="Segoe UI" panose="020B0502040204020203" pitchFamily="34" charset="0"/>
+                <a:cs typeface="Segoe UI" panose="020B0502040204020203" pitchFamily="34" charset="0"/>
+              </a:rPr>
+              <a:t> </a:t>
+            </a:r>
+            <a:r>
+              <a:rPr lang="en" sz="2400" dirty="0" err="1" smtClean="0">
+                <a:latin typeface="Segoe UI" panose="020B0502040204020203" pitchFamily="34" charset="0"/>
+                <a:cs typeface="Segoe UI" panose="020B0502040204020203" pitchFamily="34" charset="0"/>
+              </a:rPr>
+              <a:t>influencer</a:t>
             </a:r>
             <a:endParaRPr lang="en-US" sz="2400" dirty="0">
               <a:latin typeface="Segoe UI" panose="020B0502040204020203" pitchFamily="34" charset="0"/>
@@ -4764,11 +4812,11 @@
           <a:lstStyle/>
           <a:p>
             <a:r>
-              <a:rPr lang="en-US" b="1" dirty="0">
-                <a:latin typeface="Segoe UI" panose="020B0502040204020203" pitchFamily="34" charset="0"/>
-                <a:cs typeface="Segoe UI" panose="020B0502040204020203" pitchFamily="34" charset="0"/>
-              </a:rPr>
-              <a:t>Analyze Top Segments for High Rating</a:t>
+              <a:rPr lang="en" b="1" dirty="0">
+                <a:latin typeface="Segoe UI" panose="020B0502040204020203" pitchFamily="34" charset="0"/>
+                <a:cs typeface="Segoe UI" panose="020B0502040204020203" pitchFamily="34" charset="0"/>
+              </a:rPr>
+              <a:t>Analyze the best segments for a high score</a:t>
             </a:r>
           </a:p>
           <a:p>
@@ -4777,14 +4825,14 @@
               <a:buChar char="•"/>
             </a:pPr>
             <a:r>
-              <a:rPr lang="en-US" dirty="0">
-                <a:latin typeface="Segoe UI" panose="020B0502040204020203" pitchFamily="34" charset="0"/>
-                <a:cs typeface="Segoe UI" panose="020B0502040204020203" pitchFamily="34" charset="0"/>
-              </a:rPr>
-              <a:t>Segments are ranked by the percentage of high ratings and population size</a:t>
-            </a:r>
-            <a:r>
-              <a:rPr lang="en-US" dirty="0" smtClean="0">
+              <a:rPr lang="en" dirty="0">
+                <a:latin typeface="Segoe UI" panose="020B0502040204020203" pitchFamily="34" charset="0"/>
+                <a:cs typeface="Segoe UI" panose="020B0502040204020203" pitchFamily="34" charset="0"/>
+              </a:rPr>
+              <a:t>Segments are ranked based on the percentage of high scores and population size </a:t>
+            </a:r>
+            <a:r>
+              <a:rPr lang="en" dirty="0" smtClean="0">
                 <a:latin typeface="Segoe UI" panose="020B0502040204020203" pitchFamily="34" charset="0"/>
                 <a:cs typeface="Segoe UI" panose="020B0502040204020203" pitchFamily="34" charset="0"/>
               </a:rPr>
@@ -4803,21 +4851,21 @@
               <a:buChar char="•"/>
             </a:pPr>
             <a:r>
-              <a:rPr lang="en-US" b="1" dirty="0">
-                <a:latin typeface="Segoe UI" panose="020B0502040204020203" pitchFamily="34" charset="0"/>
-                <a:cs typeface="Segoe UI" panose="020B0502040204020203" pitchFamily="34" charset="0"/>
-              </a:rPr>
-              <a:t>Segment 1</a:t>
-            </a:r>
-            <a:r>
-              <a:rPr lang="en-US" dirty="0">
-                <a:latin typeface="Segoe UI" panose="020B0502040204020203" pitchFamily="34" charset="0"/>
-                <a:cs typeface="Segoe UI" panose="020B0502040204020203" pitchFamily="34" charset="0"/>
-              </a:rPr>
-              <a:t> (96.7% high rating, population: 8,031) represents the most satisfied group, followed by other segments with slightly lower ratings (94.7%-91.0</a:t>
-            </a:r>
-            <a:r>
-              <a:rPr lang="en-US" dirty="0" smtClean="0">
+              <a:rPr lang="en" b="1" dirty="0">
+                <a:latin typeface="Segoe UI" panose="020B0502040204020203" pitchFamily="34" charset="0"/>
+                <a:cs typeface="Segoe UI" panose="020B0502040204020203" pitchFamily="34" charset="0"/>
+              </a:rPr>
+              <a:t>Segment 1 </a:t>
+            </a:r>
+            <a:r>
+              <a:rPr lang="en" dirty="0">
+                <a:latin typeface="Segoe UI" panose="020B0502040204020203" pitchFamily="34" charset="0"/>
+                <a:cs typeface="Segoe UI" panose="020B0502040204020203" pitchFamily="34" charset="0"/>
+              </a:rPr>
+              <a:t>(96.7% high scores, population: 8,031) represents the most satisfied group, followed by other segments with slightly lower scores (94.7%-91.0 </a:t>
+            </a:r>
+            <a:r>
+              <a:rPr lang="en" dirty="0" smtClean="0">
                 <a:latin typeface="Segoe UI" panose="020B0502040204020203" pitchFamily="34" charset="0"/>
                 <a:cs typeface="Segoe UI" panose="020B0502040204020203" pitchFamily="34" charset="0"/>
               </a:rPr>
@@ -4836,21 +4884,21 @@
               <a:buChar char="•"/>
             </a:pPr>
             <a:r>
-              <a:rPr lang="en-US" b="1" dirty="0">
-                <a:latin typeface="Segoe UI" panose="020B0502040204020203" pitchFamily="34" charset="0"/>
-                <a:cs typeface="Segoe UI" panose="020B0502040204020203" pitchFamily="34" charset="0"/>
-              </a:rPr>
-              <a:t>Insight</a:t>
-            </a:r>
-            <a:r>
-              <a:rPr lang="en-US" dirty="0">
-                <a:latin typeface="Segoe UI" panose="020B0502040204020203" pitchFamily="34" charset="0"/>
-                <a:cs typeface="Segoe UI" panose="020B0502040204020203" pitchFamily="34" charset="0"/>
-              </a:rPr>
-              <a:t>: Segment 1 is the most significant driver of high ratings due to its size and high satisfaction rate</a:t>
-            </a:r>
-            <a:r>
-              <a:rPr lang="en-US" dirty="0" smtClean="0">
+              <a:rPr lang="en" b="1" dirty="0">
+                <a:latin typeface="Segoe UI" panose="020B0502040204020203" pitchFamily="34" charset="0"/>
+                <a:cs typeface="Segoe UI" panose="020B0502040204020203" pitchFamily="34" charset="0"/>
+              </a:rPr>
+              <a:t>Overview </a:t>
+            </a:r>
+            <a:r>
+              <a:rPr lang="en" dirty="0">
+                <a:latin typeface="Segoe UI" panose="020B0502040204020203" pitchFamily="34" charset="0"/>
+                <a:cs typeface="Segoe UI" panose="020B0502040204020203" pitchFamily="34" charset="0"/>
+              </a:rPr>
+              <a:t>: Segment 1 is the most important driver of high ratings due to its size and high satisfaction rate </a:t>
+            </a:r>
+            <a:r>
+              <a:rPr lang="en" dirty="0" smtClean="0">
                 <a:latin typeface="Segoe UI" panose="020B0502040204020203" pitchFamily="34" charset="0"/>
                 <a:cs typeface="Segoe UI" panose="020B0502040204020203" pitchFamily="34" charset="0"/>
               </a:rPr>
@@ -4869,18 +4917,18 @@
               <a:buChar char="•"/>
             </a:pPr>
             <a:r>
-              <a:rPr lang="en-US" b="1" dirty="0">
-                <a:latin typeface="Segoe UI" panose="020B0502040204020203" pitchFamily="34" charset="0"/>
-                <a:cs typeface="Segoe UI" panose="020B0502040204020203" pitchFamily="34" charset="0"/>
-              </a:rPr>
-              <a:t>Recommendation</a:t>
-            </a:r>
-            <a:r>
-              <a:rPr lang="en-US" dirty="0">
-                <a:latin typeface="Segoe UI" panose="020B0502040204020203" pitchFamily="34" charset="0"/>
-                <a:cs typeface="Segoe UI" panose="020B0502040204020203" pitchFamily="34" charset="0"/>
-              </a:rPr>
-              <a:t>: Identify characteristics of this segment and replicate its conditions across other groups.</a:t>
+              <a:rPr lang="en" b="1" dirty="0">
+                <a:latin typeface="Segoe UI" panose="020B0502040204020203" pitchFamily="34" charset="0"/>
+                <a:cs typeface="Segoe UI" panose="020B0502040204020203" pitchFamily="34" charset="0"/>
+              </a:rPr>
+              <a:t>Recommendation </a:t>
+            </a:r>
+            <a:r>
+              <a:rPr lang="en" dirty="0">
+                <a:latin typeface="Segoe UI" panose="020B0502040204020203" pitchFamily="34" charset="0"/>
+                <a:cs typeface="Segoe UI" panose="020B0502040204020203" pitchFamily="34" charset="0"/>
+              </a:rPr>
+              <a:t>: Identify the characteristics of this segment and reproduce its conditions in other groups.</a:t>
             </a:r>
           </a:p>
         </p:txBody>
@@ -5004,7 +5052,7 @@
         </p:nvSpPr>
         <p:spPr>
           <a:xfrm>
-            <a:off x="2916199" y="2162433"/>
+            <a:off x="3129330" y="2409940"/>
             <a:ext cx="6230360" cy="1569660"/>
           </a:xfrm>
           <a:prstGeom prst="rect">
@@ -5018,6 +5066,7 @@
           </a:bodyPr>
           <a:lstStyle/>
           <a:p>
+            <a:pPr algn="ctr"/>
             <a:r>
               <a:rPr lang="en-US" sz="9600" b="1" dirty="0" smtClean="0">
                 <a:solidFill>
@@ -5048,7 +5097,7 @@
         </p:nvSpPr>
         <p:spPr>
           <a:xfrm>
-            <a:off x="2990336" y="2217861"/>
+            <a:off x="3052213" y="2314114"/>
             <a:ext cx="6230360" cy="1569660"/>
           </a:xfrm>
           <a:prstGeom prst="rect">
@@ -5062,6 +5111,7 @@
           </a:bodyPr>
           <a:lstStyle/>
           <a:p>
+            <a:pPr algn="ctr"/>
             <a:r>
               <a:rPr lang="en-US" sz="9600" b="1" dirty="0" smtClean="0">
                 <a:solidFill>
@@ -5123,7 +5173,7 @@
         <p:spPr>
           <a:xfrm>
             <a:off x="323133" y="192505"/>
-            <a:ext cx="2676502" cy="461665"/>
+            <a:ext cx="2722092" cy="461665"/>
           </a:xfrm>
           <a:prstGeom prst="rect">
             <a:avLst/>
@@ -5137,20 +5187,34 @@
           <a:lstStyle/>
           <a:p>
             <a:r>
-              <a:rPr lang="en-US" sz="2400" dirty="0" smtClean="0">
+              <a:rPr lang="en" sz="2400" b="1" dirty="0" smtClean="0">
                 <a:latin typeface="Segoe UI" panose="020B0502040204020203" pitchFamily="34" charset="0"/>
                 <a:cs typeface="Segoe UI" panose="020B0502040204020203" pitchFamily="34" charset="0"/>
               </a:rPr>
               <a:t>The </a:t>
             </a:r>
             <a:r>
-              <a:rPr lang="en-US" sz="2400" dirty="0" smtClean="0">
-                <a:latin typeface="Segoe UI" panose="020B0502040204020203" pitchFamily="34" charset="0"/>
-                <a:cs typeface="Segoe UI" panose="020B0502040204020203" pitchFamily="34" charset="0"/>
-              </a:rPr>
-              <a:t>Key influencer</a:t>
-            </a:r>
-            <a:endParaRPr lang="en-US" sz="2400" dirty="0">
+              <a:rPr lang="en" sz="2400" b="1" dirty="0" err="1" smtClean="0">
+                <a:latin typeface="Segoe UI" panose="020B0502040204020203" pitchFamily="34" charset="0"/>
+                <a:cs typeface="Segoe UI" panose="020B0502040204020203" pitchFamily="34" charset="0"/>
+              </a:rPr>
+              <a:t>key</a:t>
+            </a:r>
+            <a:r>
+              <a:rPr lang="en" sz="2400" b="1" dirty="0" smtClean="0">
+                <a:latin typeface="Segoe UI" panose="020B0502040204020203" pitchFamily="34" charset="0"/>
+                <a:cs typeface="Segoe UI" panose="020B0502040204020203" pitchFamily="34" charset="0"/>
+              </a:rPr>
+              <a:t> </a:t>
+            </a:r>
+            <a:r>
+              <a:rPr lang="en" sz="2400" b="1" dirty="0" err="1" smtClean="0">
+                <a:latin typeface="Segoe UI" panose="020B0502040204020203" pitchFamily="34" charset="0"/>
+                <a:cs typeface="Segoe UI" panose="020B0502040204020203" pitchFamily="34" charset="0"/>
+              </a:rPr>
+              <a:t>influencer</a:t>
+            </a:r>
+            <a:endParaRPr lang="en-US" sz="2400" b="1" dirty="0">
               <a:latin typeface="Segoe UI" panose="020B0502040204020203" pitchFamily="34" charset="0"/>
               <a:cs typeface="Segoe UI" panose="020B0502040204020203" pitchFamily="34" charset="0"/>
             </a:endParaRPr>
@@ -5166,7 +5230,7 @@
         <p:spPr>
           <a:xfrm>
             <a:off x="378135" y="756271"/>
-            <a:ext cx="8191601" cy="369332"/>
+            <a:ext cx="10455747" cy="369332"/>
           </a:xfrm>
           <a:prstGeom prst="rect">
             <a:avLst/>
@@ -5180,20 +5244,27 @@
           <a:lstStyle/>
           <a:p>
             <a:r>
-              <a:rPr lang="en-US" b="1" dirty="0" smtClean="0">
+              <a:rPr lang="en" b="1" dirty="0" smtClean="0">
                 <a:latin typeface="Segoe UI" panose="020B0502040204020203" pitchFamily="34" charset="0"/>
                 <a:cs typeface="Segoe UI" panose="020B0502040204020203" pitchFamily="34" charset="0"/>
               </a:rPr>
               <a:t>Note: </a:t>
             </a:r>
             <a:r>
-              <a:rPr lang="en-US" dirty="0" smtClean="0">
-                <a:latin typeface="Segoe UI" panose="020B0502040204020203" pitchFamily="34" charset="0"/>
-                <a:cs typeface="Segoe UI" panose="020B0502040204020203" pitchFamily="34" charset="0"/>
-              </a:rPr>
-              <a:t>This lab is based on the excel file customerfeedback.xlsx in Excel Sources</a:t>
-            </a:r>
-            <a:endParaRPr lang="en-US" dirty="0">
+              <a:rPr lang="en" dirty="0" smtClean="0">
+                <a:latin typeface="Segoe UI" panose="020B0502040204020203" pitchFamily="34" charset="0"/>
+                <a:cs typeface="Segoe UI" panose="020B0502040204020203" pitchFamily="34" charset="0"/>
+              </a:rPr>
+              <a:t>This lab is based on the Excel file </a:t>
+            </a:r>
+            <a:r>
+              <a:rPr lang="en" b="1" dirty="0" smtClean="0">
+                <a:latin typeface="Segoe UI" panose="020B0502040204020203" pitchFamily="34" charset="0"/>
+                <a:cs typeface="Segoe UI" panose="020B0502040204020203" pitchFamily="34" charset="0"/>
+              </a:rPr>
+              <a:t>customerfeedback.xlsx in the Excel </a:t>
+            </a:r>
+            <a:endParaRPr lang="en-US" b="1" dirty="0">
               <a:latin typeface="Segoe UI" panose="020B0502040204020203" pitchFamily="34" charset="0"/>
               <a:cs typeface="Segoe UI" panose="020B0502040204020203" pitchFamily="34" charset="0"/>
             </a:endParaRPr>
@@ -5223,25 +5294,25 @@
           <a:lstStyle/>
           <a:p>
             <a:r>
-              <a:rPr lang="en-US" dirty="0" smtClean="0">
-                <a:latin typeface="Segoe UI" panose="020B0502040204020203" pitchFamily="34" charset="0"/>
-                <a:cs typeface="Segoe UI" panose="020B0502040204020203" pitchFamily="34" charset="0"/>
-              </a:rPr>
-              <a:t>Add  a </a:t>
-            </a:r>
-            <a:r>
-              <a:rPr lang="en-US" b="1" dirty="0" smtClean="0">
-                <a:latin typeface="Segoe UI" panose="020B0502040204020203" pitchFamily="34" charset="0"/>
-                <a:cs typeface="Segoe UI" panose="020B0502040204020203" pitchFamily="34" charset="0"/>
-              </a:rPr>
-              <a:t>Key influencer </a:t>
-            </a:r>
-            <a:r>
-              <a:rPr lang="en-US" dirty="0" smtClean="0">
-                <a:latin typeface="Segoe UI" panose="020B0502040204020203" pitchFamily="34" charset="0"/>
-                <a:cs typeface="Segoe UI" panose="020B0502040204020203" pitchFamily="34" charset="0"/>
-              </a:rPr>
-              <a:t>visual to the scene </a:t>
+              <a:rPr lang="en" dirty="0" smtClean="0">
+                <a:latin typeface="Segoe UI" panose="020B0502040204020203" pitchFamily="34" charset="0"/>
+                <a:cs typeface="Segoe UI" panose="020B0502040204020203" pitchFamily="34" charset="0"/>
+              </a:rPr>
+              <a:t>Add a </a:t>
+            </a:r>
+            <a:r>
+              <a:rPr lang="en" b="1" dirty="0" smtClean="0">
+                <a:latin typeface="Segoe UI" panose="020B0502040204020203" pitchFamily="34" charset="0"/>
+                <a:cs typeface="Segoe UI" panose="020B0502040204020203" pitchFamily="34" charset="0"/>
+              </a:rPr>
+              <a:t>key influencer visual </a:t>
+            </a:r>
+            <a:r>
+              <a:rPr lang="en" dirty="0" smtClean="0">
+                <a:latin typeface="Segoe UI" panose="020B0502040204020203" pitchFamily="34" charset="0"/>
+                <a:cs typeface="Segoe UI" panose="020B0502040204020203" pitchFamily="34" charset="0"/>
+              </a:rPr>
+              <a:t>to the scene</a:t>
             </a:r>
             <a:endParaRPr lang="en-US" dirty="0">
               <a:latin typeface="Segoe UI" panose="020B0502040204020203" pitchFamily="34" charset="0"/>
@@ -5313,7 +5384,7 @@
         <p:spPr>
           <a:xfrm>
             <a:off x="323133" y="192505"/>
-            <a:ext cx="2676502" cy="461665"/>
+            <a:ext cx="2722092" cy="461665"/>
           </a:xfrm>
           <a:prstGeom prst="rect">
             <a:avLst/>
@@ -5327,20 +5398,34 @@
           <a:lstStyle/>
           <a:p>
             <a:r>
-              <a:rPr lang="en-US" sz="2400" dirty="0" smtClean="0">
+              <a:rPr lang="en" sz="2400" b="1" dirty="0" smtClean="0">
                 <a:latin typeface="Segoe UI" panose="020B0502040204020203" pitchFamily="34" charset="0"/>
                 <a:cs typeface="Segoe UI" panose="020B0502040204020203" pitchFamily="34" charset="0"/>
               </a:rPr>
               <a:t>The </a:t>
             </a:r>
             <a:r>
-              <a:rPr lang="en-US" sz="2400" dirty="0" smtClean="0">
-                <a:latin typeface="Segoe UI" panose="020B0502040204020203" pitchFamily="34" charset="0"/>
-                <a:cs typeface="Segoe UI" panose="020B0502040204020203" pitchFamily="34" charset="0"/>
-              </a:rPr>
-              <a:t>Key influencer</a:t>
-            </a:r>
-            <a:endParaRPr lang="en-US" sz="2400" dirty="0">
+              <a:rPr lang="en" sz="2400" b="1" dirty="0" err="1" smtClean="0">
+                <a:latin typeface="Segoe UI" panose="020B0502040204020203" pitchFamily="34" charset="0"/>
+                <a:cs typeface="Segoe UI" panose="020B0502040204020203" pitchFamily="34" charset="0"/>
+              </a:rPr>
+              <a:t>key</a:t>
+            </a:r>
+            <a:r>
+              <a:rPr lang="en" sz="2400" b="1" dirty="0" smtClean="0">
+                <a:latin typeface="Segoe UI" panose="020B0502040204020203" pitchFamily="34" charset="0"/>
+                <a:cs typeface="Segoe UI" panose="020B0502040204020203" pitchFamily="34" charset="0"/>
+              </a:rPr>
+              <a:t> </a:t>
+            </a:r>
+            <a:r>
+              <a:rPr lang="en" sz="2400" b="1" dirty="0" err="1" smtClean="0">
+                <a:latin typeface="Segoe UI" panose="020B0502040204020203" pitchFamily="34" charset="0"/>
+                <a:cs typeface="Segoe UI" panose="020B0502040204020203" pitchFamily="34" charset="0"/>
+              </a:rPr>
+              <a:t>influencer</a:t>
+            </a:r>
+            <a:endParaRPr lang="en-US" sz="2400" b="1" dirty="0">
               <a:latin typeface="Segoe UI" panose="020B0502040204020203" pitchFamily="34" charset="0"/>
               <a:cs typeface="Segoe UI" panose="020B0502040204020203" pitchFamily="34" charset="0"/>
             </a:endParaRPr>
@@ -5370,32 +5455,25 @@
           <a:lstStyle/>
           <a:p>
             <a:r>
-              <a:rPr lang="en-US" dirty="0" smtClean="0">
-                <a:latin typeface="Segoe UI" panose="020B0502040204020203" pitchFamily="34" charset="0"/>
-                <a:cs typeface="Segoe UI" panose="020B0502040204020203" pitchFamily="34" charset="0"/>
-              </a:rPr>
-              <a:t>We will study the impact of several factor of the customer rating </a:t>
-            </a:r>
-            <a:r>
-              <a:rPr lang="en-US" b="1" dirty="0" smtClean="0">
-                <a:latin typeface="Segoe UI" panose="020B0502040204020203" pitchFamily="34" charset="0"/>
-                <a:cs typeface="Segoe UI" panose="020B0502040204020203" pitchFamily="34" charset="0"/>
-              </a:rPr>
-              <a:t>High</a:t>
-            </a:r>
-            <a:r>
-              <a:rPr lang="en-US" dirty="0" smtClean="0">
-                <a:latin typeface="Segoe UI" panose="020B0502040204020203" pitchFamily="34" charset="0"/>
-                <a:cs typeface="Segoe UI" panose="020B0502040204020203" pitchFamily="34" charset="0"/>
-              </a:rPr>
-              <a:t> or </a:t>
-            </a:r>
-            <a:r>
-              <a:rPr lang="en-US" b="1" dirty="0" smtClean="0">
-                <a:latin typeface="Segoe UI" panose="020B0502040204020203" pitchFamily="34" charset="0"/>
-                <a:cs typeface="Segoe UI" panose="020B0502040204020203" pitchFamily="34" charset="0"/>
-              </a:rPr>
-              <a:t>Low </a:t>
+              <a:rPr lang="en" b="1" dirty="0" smtClean="0">
+                <a:latin typeface="Segoe UI" panose="020B0502040204020203" pitchFamily="34" charset="0"/>
+                <a:cs typeface="Segoe UI" panose="020B0502040204020203" pitchFamily="34" charset="0"/>
+              </a:rPr>
+              <a:t>high </a:t>
+            </a:r>
+            <a:r>
+              <a:rPr lang="en" dirty="0" smtClean="0">
+                <a:latin typeface="Segoe UI" panose="020B0502040204020203" pitchFamily="34" charset="0"/>
+                <a:cs typeface="Segoe UI" panose="020B0502040204020203" pitchFamily="34" charset="0"/>
+              </a:rPr>
+              <a:t>or </a:t>
+            </a:r>
+            <a:r>
+              <a:rPr lang="en" b="1" dirty="0" smtClean="0">
+                <a:latin typeface="Segoe UI" panose="020B0502040204020203" pitchFamily="34" charset="0"/>
+                <a:cs typeface="Segoe UI" panose="020B0502040204020203" pitchFamily="34" charset="0"/>
+              </a:rPr>
+              <a:t>low </a:t>
             </a:r>
             <a:endParaRPr lang="en-US" b="1" dirty="0">
               <a:latin typeface="Segoe UI" panose="020B0502040204020203" pitchFamily="34" charset="0"/>
@@ -5438,6 +5516,54 @@
           </a:effectLst>
         </p:spPr>
       </p:pic>
+      <p:sp>
+        <p:nvSpPr>
+          <p:cNvPr id="4" name="Rectangle 3"/>
+          <p:cNvSpPr/>
+          <p:nvPr/>
+        </p:nvSpPr>
+        <p:spPr>
+          <a:xfrm>
+            <a:off x="7390828" y="1339083"/>
+            <a:ext cx="508763" cy="3507925"/>
+          </a:xfrm>
+          <a:prstGeom prst="rect">
+            <a:avLst/>
+          </a:prstGeom>
+          <a:solidFill>
+            <a:srgbClr val="FF0000">
+              <a:alpha val="18000"/>
+            </a:srgbClr>
+          </a:solidFill>
+          <a:ln>
+            <a:noFill/>
+          </a:ln>
+        </p:spPr>
+        <p:style>
+          <a:lnRef idx="2">
+            <a:schemeClr val="accent1">
+              <a:shade val="50000"/>
+            </a:schemeClr>
+          </a:lnRef>
+          <a:fillRef idx="1">
+            <a:schemeClr val="accent1"/>
+          </a:fillRef>
+          <a:effectRef idx="0">
+            <a:schemeClr val="accent1"/>
+          </a:effectRef>
+          <a:fontRef idx="minor">
+            <a:schemeClr val="lt1"/>
+          </a:fontRef>
+        </p:style>
+        <p:txBody>
+          <a:bodyPr rtlCol="0" anchor="ctr"/>
+          <a:lstStyle/>
+          <a:p>
+            <a:pPr algn="ctr"/>
+            <a:endParaRPr lang="en-US"/>
+          </a:p>
+        </p:txBody>
+      </p:sp>
     </p:spTree>
     <p:extLst>
       <p:ext uri="{BB962C8B-B14F-4D97-AF65-F5344CB8AC3E}">
@@ -5511,7 +5637,7 @@
         <p:spPr>
           <a:xfrm>
             <a:off x="323133" y="192505"/>
-            <a:ext cx="2676502" cy="461665"/>
+            <a:ext cx="2722092" cy="461665"/>
           </a:xfrm>
           <a:prstGeom prst="rect">
             <a:avLst/>
@@ -5525,20 +5651,34 @@
           <a:lstStyle/>
           <a:p>
             <a:r>
-              <a:rPr lang="en-US" sz="2400" dirty="0" smtClean="0">
+              <a:rPr lang="en" sz="2400" b="1" dirty="0" smtClean="0">
                 <a:latin typeface="Segoe UI" panose="020B0502040204020203" pitchFamily="34" charset="0"/>
                 <a:cs typeface="Segoe UI" panose="020B0502040204020203" pitchFamily="34" charset="0"/>
               </a:rPr>
               <a:t>The </a:t>
             </a:r>
             <a:r>
-              <a:rPr lang="en-US" sz="2400" dirty="0" smtClean="0">
-                <a:latin typeface="Segoe UI" panose="020B0502040204020203" pitchFamily="34" charset="0"/>
-                <a:cs typeface="Segoe UI" panose="020B0502040204020203" pitchFamily="34" charset="0"/>
-              </a:rPr>
-              <a:t>Key influencer</a:t>
-            </a:r>
-            <a:endParaRPr lang="en-US" sz="2400" dirty="0">
+              <a:rPr lang="en" sz="2400" b="1" dirty="0" err="1" smtClean="0">
+                <a:latin typeface="Segoe UI" panose="020B0502040204020203" pitchFamily="34" charset="0"/>
+                <a:cs typeface="Segoe UI" panose="020B0502040204020203" pitchFamily="34" charset="0"/>
+              </a:rPr>
+              <a:t>key</a:t>
+            </a:r>
+            <a:r>
+              <a:rPr lang="en" sz="2400" b="1" dirty="0" smtClean="0">
+                <a:latin typeface="Segoe UI" panose="020B0502040204020203" pitchFamily="34" charset="0"/>
+                <a:cs typeface="Segoe UI" panose="020B0502040204020203" pitchFamily="34" charset="0"/>
+              </a:rPr>
+              <a:t> </a:t>
+            </a:r>
+            <a:r>
+              <a:rPr lang="en" sz="2400" b="1" dirty="0" err="1" smtClean="0">
+                <a:latin typeface="Segoe UI" panose="020B0502040204020203" pitchFamily="34" charset="0"/>
+                <a:cs typeface="Segoe UI" panose="020B0502040204020203" pitchFamily="34" charset="0"/>
+              </a:rPr>
+              <a:t>influencer</a:t>
+            </a:r>
+            <a:endParaRPr lang="en-US" sz="2400" b="1" dirty="0">
               <a:latin typeface="Segoe UI" panose="020B0502040204020203" pitchFamily="34" charset="0"/>
               <a:cs typeface="Segoe UI" panose="020B0502040204020203" pitchFamily="34" charset="0"/>
             </a:endParaRPr>
@@ -5568,32 +5708,25 @@
           <a:lstStyle/>
           <a:p>
             <a:r>
-              <a:rPr lang="en-US" dirty="0" smtClean="0">
-                <a:latin typeface="Segoe UI" panose="020B0502040204020203" pitchFamily="34" charset="0"/>
-                <a:cs typeface="Segoe UI" panose="020B0502040204020203" pitchFamily="34" charset="0"/>
-              </a:rPr>
-              <a:t>We will study the impact of several factor of the customer rating </a:t>
-            </a:r>
-            <a:r>
-              <a:rPr lang="en-US" b="1" dirty="0" smtClean="0">
-                <a:latin typeface="Segoe UI" panose="020B0502040204020203" pitchFamily="34" charset="0"/>
-                <a:cs typeface="Segoe UI" panose="020B0502040204020203" pitchFamily="34" charset="0"/>
-              </a:rPr>
-              <a:t>High</a:t>
-            </a:r>
-            <a:r>
-              <a:rPr lang="en-US" dirty="0" smtClean="0">
-                <a:latin typeface="Segoe UI" panose="020B0502040204020203" pitchFamily="34" charset="0"/>
-                <a:cs typeface="Segoe UI" panose="020B0502040204020203" pitchFamily="34" charset="0"/>
-              </a:rPr>
-              <a:t> or </a:t>
-            </a:r>
-            <a:r>
-              <a:rPr lang="en-US" b="1" dirty="0" smtClean="0">
-                <a:latin typeface="Segoe UI" panose="020B0502040204020203" pitchFamily="34" charset="0"/>
-                <a:cs typeface="Segoe UI" panose="020B0502040204020203" pitchFamily="34" charset="0"/>
-              </a:rPr>
-              <a:t>Low </a:t>
+              <a:rPr lang="en" b="1" dirty="0" smtClean="0">
+                <a:latin typeface="Segoe UI" panose="020B0502040204020203" pitchFamily="34" charset="0"/>
+                <a:cs typeface="Segoe UI" panose="020B0502040204020203" pitchFamily="34" charset="0"/>
+              </a:rPr>
+              <a:t>high </a:t>
+            </a:r>
+            <a:r>
+              <a:rPr lang="en" dirty="0" smtClean="0">
+                <a:latin typeface="Segoe UI" panose="020B0502040204020203" pitchFamily="34" charset="0"/>
+                <a:cs typeface="Segoe UI" panose="020B0502040204020203" pitchFamily="34" charset="0"/>
+              </a:rPr>
+              <a:t>or </a:t>
+            </a:r>
+            <a:r>
+              <a:rPr lang="en" b="1" dirty="0" smtClean="0">
+                <a:latin typeface="Segoe UI" panose="020B0502040204020203" pitchFamily="34" charset="0"/>
+                <a:cs typeface="Segoe UI" panose="020B0502040204020203" pitchFamily="34" charset="0"/>
+              </a:rPr>
+              <a:t>low </a:t>
             </a:r>
             <a:endParaRPr lang="en-US" b="1" dirty="0">
               <a:latin typeface="Segoe UI" panose="020B0502040204020203" pitchFamily="34" charset="0"/>
@@ -5881,7 +6014,7 @@
         <p:spPr>
           <a:xfrm>
             <a:off x="323133" y="192505"/>
-            <a:ext cx="2676502" cy="461665"/>
+            <a:ext cx="2722092" cy="461665"/>
           </a:xfrm>
           <a:prstGeom prst="rect">
             <a:avLst/>
@@ -5895,20 +6028,34 @@
           <a:lstStyle/>
           <a:p>
             <a:r>
-              <a:rPr lang="en-US" sz="2400" dirty="0" smtClean="0">
+              <a:rPr lang="en" sz="2400" b="1" dirty="0" smtClean="0">
                 <a:latin typeface="Segoe UI" panose="020B0502040204020203" pitchFamily="34" charset="0"/>
                 <a:cs typeface="Segoe UI" panose="020B0502040204020203" pitchFamily="34" charset="0"/>
               </a:rPr>
               <a:t>The </a:t>
             </a:r>
             <a:r>
-              <a:rPr lang="en-US" sz="2400" dirty="0" smtClean="0">
-                <a:latin typeface="Segoe UI" panose="020B0502040204020203" pitchFamily="34" charset="0"/>
-                <a:cs typeface="Segoe UI" panose="020B0502040204020203" pitchFamily="34" charset="0"/>
-              </a:rPr>
-              <a:t>Key influencer</a:t>
-            </a:r>
-            <a:endParaRPr lang="en-US" sz="2400" dirty="0">
+              <a:rPr lang="en" sz="2400" b="1" dirty="0" err="1" smtClean="0">
+                <a:latin typeface="Segoe UI" panose="020B0502040204020203" pitchFamily="34" charset="0"/>
+                <a:cs typeface="Segoe UI" panose="020B0502040204020203" pitchFamily="34" charset="0"/>
+              </a:rPr>
+              <a:t>key</a:t>
+            </a:r>
+            <a:r>
+              <a:rPr lang="en" sz="2400" b="1" dirty="0" smtClean="0">
+                <a:latin typeface="Segoe UI" panose="020B0502040204020203" pitchFamily="34" charset="0"/>
+                <a:cs typeface="Segoe UI" panose="020B0502040204020203" pitchFamily="34" charset="0"/>
+              </a:rPr>
+              <a:t> </a:t>
+            </a:r>
+            <a:r>
+              <a:rPr lang="en" sz="2400" b="1" dirty="0" err="1" smtClean="0">
+                <a:latin typeface="Segoe UI" panose="020B0502040204020203" pitchFamily="34" charset="0"/>
+                <a:cs typeface="Segoe UI" panose="020B0502040204020203" pitchFamily="34" charset="0"/>
+              </a:rPr>
+              <a:t>influencer</a:t>
+            </a:r>
+            <a:endParaRPr lang="en-US" sz="2400" b="1" dirty="0">
               <a:latin typeface="Segoe UI" panose="020B0502040204020203" pitchFamily="34" charset="0"/>
               <a:cs typeface="Segoe UI" panose="020B0502040204020203" pitchFamily="34" charset="0"/>
             </a:endParaRPr>
@@ -5924,7 +6071,7 @@
         <p:spPr>
           <a:xfrm>
             <a:off x="378135" y="756271"/>
-            <a:ext cx="11488017" cy="646331"/>
+            <a:ext cx="8533683" cy="923330"/>
           </a:xfrm>
           <a:prstGeom prst="rect">
             <a:avLst/>
@@ -5938,170 +6085,120 @@
           <a:lstStyle/>
           <a:p>
             <a:r>
-              <a:rPr lang="fr-FR" dirty="0" err="1" smtClean="0">
-                <a:latin typeface="Segoe UI" panose="020B0502040204020203" pitchFamily="34" charset="0"/>
-                <a:cs typeface="Segoe UI" panose="020B0502040204020203" pitchFamily="34" charset="0"/>
-              </a:rPr>
-              <a:t>Add</a:t>
-            </a:r>
-            <a:r>
-              <a:rPr lang="fr-FR" dirty="0" smtClean="0">
-                <a:latin typeface="Segoe UI" panose="020B0502040204020203" pitchFamily="34" charset="0"/>
-                <a:cs typeface="Segoe UI" panose="020B0502040204020203" pitchFamily="34" charset="0"/>
-              </a:rPr>
-              <a:t> </a:t>
-            </a:r>
-            <a:r>
-              <a:rPr lang="fr-FR" b="1" dirty="0" smtClean="0">
-                <a:latin typeface="Segoe UI" panose="020B0502040204020203" pitchFamily="34" charset="0"/>
-                <a:cs typeface="Segoe UI" panose="020B0502040204020203" pitchFamily="34" charset="0"/>
-              </a:rPr>
-              <a:t>Rating</a:t>
-            </a:r>
-            <a:r>
-              <a:rPr lang="fr-FR" dirty="0" smtClean="0">
-                <a:latin typeface="Segoe UI" panose="020B0502040204020203" pitchFamily="34" charset="0"/>
-                <a:cs typeface="Segoe UI" panose="020B0502040204020203" pitchFamily="34" charset="0"/>
-              </a:rPr>
-              <a:t> to </a:t>
-            </a:r>
-            <a:r>
-              <a:rPr lang="fr-FR" b="1" dirty="0" smtClean="0">
-                <a:latin typeface="Segoe UI" panose="020B0502040204020203" pitchFamily="34" charset="0"/>
-                <a:cs typeface="Segoe UI" panose="020B0502040204020203" pitchFamily="34" charset="0"/>
-              </a:rPr>
-              <a:t>Analyse</a:t>
-            </a:r>
-            <a:r>
-              <a:rPr lang="fr-FR" dirty="0" smtClean="0">
-                <a:latin typeface="Segoe UI" panose="020B0502040204020203" pitchFamily="34" charset="0"/>
-                <a:cs typeface="Segoe UI" panose="020B0502040204020203" pitchFamily="34" charset="0"/>
-              </a:rPr>
-              <a:t> and </a:t>
-            </a:r>
-            <a:r>
-              <a:rPr lang="fr-FR" dirty="0" err="1" smtClean="0">
-                <a:latin typeface="Segoe UI" panose="020B0502040204020203" pitchFamily="34" charset="0"/>
-                <a:cs typeface="Segoe UI" panose="020B0502040204020203" pitchFamily="34" charset="0"/>
-              </a:rPr>
-              <a:t>then</a:t>
-            </a:r>
-            <a:r>
-              <a:rPr lang="fr-FR" dirty="0" smtClean="0">
-                <a:latin typeface="Segoe UI" panose="020B0502040204020203" pitchFamily="34" charset="0"/>
-                <a:cs typeface="Segoe UI" panose="020B0502040204020203" pitchFamily="34" charset="0"/>
-              </a:rPr>
-              <a:t> </a:t>
-            </a:r>
-            <a:r>
-              <a:rPr lang="fr-FR" b="1" dirty="0" smtClean="0">
-                <a:latin typeface="Segoe UI" panose="020B0502040204020203" pitchFamily="34" charset="0"/>
-                <a:cs typeface="Segoe UI" panose="020B0502040204020203" pitchFamily="34" charset="0"/>
-              </a:rPr>
-              <a:t>Country-</a:t>
-            </a:r>
-            <a:r>
-              <a:rPr lang="fr-FR" b="1" dirty="0" err="1" smtClean="0">
-                <a:latin typeface="Segoe UI" panose="020B0502040204020203" pitchFamily="34" charset="0"/>
-                <a:cs typeface="Segoe UI" panose="020B0502040204020203" pitchFamily="34" charset="0"/>
-              </a:rPr>
-              <a:t>Region</a:t>
-            </a:r>
-            <a:r>
-              <a:rPr lang="fr-FR" dirty="0" smtClean="0">
+              <a:rPr lang="en" dirty="0" smtClean="0">
+                <a:latin typeface="Segoe UI" panose="020B0502040204020203" pitchFamily="34" charset="0"/>
+                <a:cs typeface="Segoe UI" panose="020B0502040204020203" pitchFamily="34" charset="0"/>
+              </a:rPr>
+              <a:t>Add </a:t>
+            </a:r>
+            <a:r>
+              <a:rPr lang="en" b="1" dirty="0" smtClean="0">
+                <a:latin typeface="Segoe UI" panose="020B0502040204020203" pitchFamily="34" charset="0"/>
+                <a:cs typeface="Segoe UI" panose="020B0502040204020203" pitchFamily="34" charset="0"/>
+              </a:rPr>
+              <a:t>Assessment </a:t>
+            </a:r>
+            <a:r>
+              <a:rPr lang="en" dirty="0" smtClean="0">
+                <a:latin typeface="Segoe UI" panose="020B0502040204020203" pitchFamily="34" charset="0"/>
+                <a:cs typeface="Segoe UI" panose="020B0502040204020203" pitchFamily="34" charset="0"/>
+              </a:rPr>
+              <a:t>to </a:t>
+            </a:r>
+            <a:r>
+              <a:rPr lang="en" b="1" dirty="0" smtClean="0">
+                <a:latin typeface="Segoe UI" panose="020B0502040204020203" pitchFamily="34" charset="0"/>
+                <a:cs typeface="Segoe UI" panose="020B0502040204020203" pitchFamily="34" charset="0"/>
+              </a:rPr>
+              <a:t>analyze </a:t>
+            </a:r>
+            <a:r>
+              <a:rPr lang="en" dirty="0" smtClean="0">
+                <a:latin typeface="Segoe UI" panose="020B0502040204020203" pitchFamily="34" charset="0"/>
+                <a:cs typeface="Segoe UI" panose="020B0502040204020203" pitchFamily="34" charset="0"/>
+              </a:rPr>
+              <a:t>then </a:t>
+            </a:r>
+            <a:r>
+              <a:rPr lang="en" b="1" dirty="0" smtClean="0">
+                <a:latin typeface="Segoe UI" panose="020B0502040204020203" pitchFamily="34" charset="0"/>
+                <a:cs typeface="Segoe UI" panose="020B0502040204020203" pitchFamily="34" charset="0"/>
+              </a:rPr>
+              <a:t>Country-Region </a:t>
+            </a:r>
+            <a:r>
+              <a:rPr lang="en" dirty="0" smtClean="0">
                 <a:latin typeface="Segoe UI" panose="020B0502040204020203" pitchFamily="34" charset="0"/>
                 <a:cs typeface="Segoe UI" panose="020B0502040204020203" pitchFamily="34" charset="0"/>
               </a:rPr>
               <a:t>, </a:t>
             </a:r>
             <a:r>
-              <a:rPr lang="fr-FR" b="1" dirty="0" err="1" smtClean="0">
-                <a:latin typeface="Segoe UI" panose="020B0502040204020203" pitchFamily="34" charset="0"/>
-                <a:cs typeface="Segoe UI" panose="020B0502040204020203" pitchFamily="34" charset="0"/>
-              </a:rPr>
-              <a:t>Role</a:t>
-            </a:r>
-            <a:r>
-              <a:rPr lang="fr-FR" b="1" dirty="0" smtClean="0">
-                <a:latin typeface="Segoe UI" panose="020B0502040204020203" pitchFamily="34" charset="0"/>
-                <a:cs typeface="Segoe UI" panose="020B0502040204020203" pitchFamily="34" charset="0"/>
-              </a:rPr>
-              <a:t> in </a:t>
-            </a:r>
-            <a:r>
-              <a:rPr lang="fr-FR" b="1" dirty="0" err="1" smtClean="0">
-                <a:latin typeface="Segoe UI" panose="020B0502040204020203" pitchFamily="34" charset="0"/>
-                <a:cs typeface="Segoe UI" panose="020B0502040204020203" pitchFamily="34" charset="0"/>
-              </a:rPr>
-              <a:t>Org</a:t>
-            </a:r>
-            <a:r>
-              <a:rPr lang="fr-FR" dirty="0" smtClean="0">
-                <a:latin typeface="Segoe UI" panose="020B0502040204020203" pitchFamily="34" charset="0"/>
-                <a:cs typeface="Segoe UI" panose="020B0502040204020203" pitchFamily="34" charset="0"/>
-              </a:rPr>
-              <a:t>, </a:t>
-            </a:r>
-            <a:r>
-              <a:rPr lang="fr-FR" b="1" dirty="0" err="1" smtClean="0">
-                <a:latin typeface="Segoe UI" panose="020B0502040204020203" pitchFamily="34" charset="0"/>
-                <a:cs typeface="Segoe UI" panose="020B0502040204020203" pitchFamily="34" charset="0"/>
-              </a:rPr>
-              <a:t>Company</a:t>
-            </a:r>
-            <a:r>
-              <a:rPr lang="fr-FR" b="1" dirty="0" smtClean="0">
-                <a:latin typeface="Segoe UI" panose="020B0502040204020203" pitchFamily="34" charset="0"/>
-                <a:cs typeface="Segoe UI" panose="020B0502040204020203" pitchFamily="34" charset="0"/>
-              </a:rPr>
-              <a:t> Size </a:t>
-            </a:r>
-            <a:r>
-              <a:rPr lang="fr-FR" dirty="0" smtClean="0">
+              <a:rPr lang="en" b="1" dirty="0" smtClean="0">
+                <a:latin typeface="Segoe UI" panose="020B0502040204020203" pitchFamily="34" charset="0"/>
+                <a:cs typeface="Segoe UI" panose="020B0502040204020203" pitchFamily="34" charset="0"/>
+              </a:rPr>
+              <a:t>Role in the organization </a:t>
+            </a:r>
+            <a:r>
+              <a:rPr lang="en" dirty="0" smtClean="0">
+                <a:latin typeface="Segoe UI" panose="020B0502040204020203" pitchFamily="34" charset="0"/>
+                <a:cs typeface="Segoe UI" panose="020B0502040204020203" pitchFamily="34" charset="0"/>
+              </a:rPr>
+              <a:t>,</a:t>
+            </a:r>
+            <a:endParaRPr lang="fr" dirty="0" smtClean="0">
+              <a:latin typeface="Segoe UI" panose="020B0502040204020203" pitchFamily="34" charset="0"/>
+              <a:cs typeface="Segoe UI" panose="020B0502040204020203" pitchFamily="34" charset="0"/>
+            </a:endParaRPr>
+          </a:p>
+          <a:p>
+            <a:r>
+              <a:rPr lang="en" b="1" dirty="0" smtClean="0">
+                <a:latin typeface="Segoe UI" panose="020B0502040204020203" pitchFamily="34" charset="0"/>
+                <a:cs typeface="Segoe UI" panose="020B0502040204020203" pitchFamily="34" charset="0"/>
+              </a:rPr>
+              <a:t>Company Size </a:t>
+            </a:r>
+            <a:r>
+              <a:rPr lang="en" dirty="0" smtClean="0">
                 <a:latin typeface="Segoe UI" panose="020B0502040204020203" pitchFamily="34" charset="0"/>
                 <a:cs typeface="Segoe UI" panose="020B0502040204020203" pitchFamily="34" charset="0"/>
               </a:rPr>
               <a:t>and </a:t>
             </a:r>
             <a:r>
-              <a:rPr lang="fr-FR" b="1" dirty="0" err="1" smtClean="0">
-                <a:latin typeface="Segoe UI" panose="020B0502040204020203" pitchFamily="34" charset="0"/>
-                <a:cs typeface="Segoe UI" panose="020B0502040204020203" pitchFamily="34" charset="0"/>
-              </a:rPr>
-              <a:t>Theme</a:t>
-            </a:r>
-            <a:r>
-              <a:rPr lang="fr-FR" dirty="0" smtClean="0">
-                <a:latin typeface="Segoe UI" panose="020B0502040204020203" pitchFamily="34" charset="0"/>
-                <a:cs typeface="Segoe UI" panose="020B0502040204020203" pitchFamily="34" charset="0"/>
-              </a:rPr>
-              <a:t> to </a:t>
-            </a:r>
-            <a:r>
-              <a:rPr lang="fr-FR" b="1" dirty="0" err="1" smtClean="0">
-                <a:latin typeface="Segoe UI" panose="020B0502040204020203" pitchFamily="34" charset="0"/>
-                <a:cs typeface="Segoe UI" panose="020B0502040204020203" pitchFamily="34" charset="0"/>
-              </a:rPr>
-              <a:t>Explain</a:t>
-            </a:r>
-            <a:r>
-              <a:rPr lang="fr-FR" b="1" dirty="0" smtClean="0">
-                <a:latin typeface="Segoe UI" panose="020B0502040204020203" pitchFamily="34" charset="0"/>
-                <a:cs typeface="Segoe UI" panose="020B0502040204020203" pitchFamily="34" charset="0"/>
-              </a:rPr>
-              <a:t> by </a:t>
-            </a:r>
-            <a:r>
-              <a:rPr lang="fr-FR" dirty="0" smtClean="0">
-                <a:latin typeface="Segoe UI" panose="020B0502040204020203" pitchFamily="34" charset="0"/>
-                <a:cs typeface="Segoe UI" panose="020B0502040204020203" pitchFamily="34" charset="0"/>
-              </a:rPr>
-              <a:t>and </a:t>
-            </a:r>
-          </a:p>
-          <a:p>
-            <a:r>
-              <a:rPr lang="fr-FR" dirty="0" smtClean="0">
+              <a:rPr lang="en" b="1" dirty="0" smtClean="0">
+                <a:latin typeface="Segoe UI" panose="020B0502040204020203" pitchFamily="34" charset="0"/>
+                <a:cs typeface="Segoe UI" panose="020B0502040204020203" pitchFamily="34" charset="0"/>
+              </a:rPr>
+              <a:t>Theme </a:t>
+            </a:r>
+            <a:r>
+              <a:rPr lang="en" dirty="0" smtClean="0">
+                <a:latin typeface="Segoe UI" panose="020B0502040204020203" pitchFamily="34" charset="0"/>
+                <a:cs typeface="Segoe UI" panose="020B0502040204020203" pitchFamily="34" charset="0"/>
+              </a:rPr>
+              <a:t>to </a:t>
+            </a:r>
+            <a:r>
+              <a:rPr lang="en" b="1" dirty="0" smtClean="0">
+                <a:latin typeface="Segoe UI" panose="020B0502040204020203" pitchFamily="34" charset="0"/>
+                <a:cs typeface="Segoe UI" panose="020B0502040204020203" pitchFamily="34" charset="0"/>
+              </a:rPr>
+              <a:t>be explained by </a:t>
+            </a:r>
+            <a:r>
+              <a:rPr lang="en" dirty="0" smtClean="0">
+                <a:latin typeface="Segoe UI" panose="020B0502040204020203" pitchFamily="34" charset="0"/>
+                <a:cs typeface="Segoe UI" panose="020B0502040204020203" pitchFamily="34" charset="0"/>
+              </a:rPr>
+              <a:t>and</a:t>
+            </a:r>
+          </a:p>
+          <a:p>
+            <a:r>
+              <a:rPr lang="en" dirty="0" smtClean="0">
                 <a:latin typeface="Segoe UI" panose="020B0502040204020203" pitchFamily="34" charset="0"/>
                 <a:cs typeface="Segoe UI" panose="020B0502040204020203" pitchFamily="34" charset="0"/>
               </a:rPr>
@@ -6317,7 +6414,7 @@
         <p:spPr>
           <a:xfrm>
             <a:off x="323133" y="192505"/>
-            <a:ext cx="2676502" cy="461665"/>
+            <a:ext cx="2722092" cy="461665"/>
           </a:xfrm>
           <a:prstGeom prst="rect">
             <a:avLst/>
@@ -6331,20 +6428,34 @@
           <a:lstStyle/>
           <a:p>
             <a:r>
-              <a:rPr lang="en-US" sz="2400" dirty="0" smtClean="0">
+              <a:rPr lang="en" sz="2400" b="1" dirty="0" smtClean="0">
                 <a:latin typeface="Segoe UI" panose="020B0502040204020203" pitchFamily="34" charset="0"/>
                 <a:cs typeface="Segoe UI" panose="020B0502040204020203" pitchFamily="34" charset="0"/>
               </a:rPr>
               <a:t>The </a:t>
             </a:r>
             <a:r>
-              <a:rPr lang="en-US" sz="2400" dirty="0" smtClean="0">
-                <a:latin typeface="Segoe UI" panose="020B0502040204020203" pitchFamily="34" charset="0"/>
-                <a:cs typeface="Segoe UI" panose="020B0502040204020203" pitchFamily="34" charset="0"/>
-              </a:rPr>
-              <a:t>Key influencer</a:t>
-            </a:r>
-            <a:endParaRPr lang="en-US" sz="2400" dirty="0">
+              <a:rPr lang="en" sz="2400" b="1" dirty="0" err="1" smtClean="0">
+                <a:latin typeface="Segoe UI" panose="020B0502040204020203" pitchFamily="34" charset="0"/>
+                <a:cs typeface="Segoe UI" panose="020B0502040204020203" pitchFamily="34" charset="0"/>
+              </a:rPr>
+              <a:t>key</a:t>
+            </a:r>
+            <a:r>
+              <a:rPr lang="en" sz="2400" b="1" dirty="0" smtClean="0">
+                <a:latin typeface="Segoe UI" panose="020B0502040204020203" pitchFamily="34" charset="0"/>
+                <a:cs typeface="Segoe UI" panose="020B0502040204020203" pitchFamily="34" charset="0"/>
+              </a:rPr>
+              <a:t> </a:t>
+            </a:r>
+            <a:r>
+              <a:rPr lang="en" sz="2400" b="1" dirty="0" err="1" smtClean="0">
+                <a:latin typeface="Segoe UI" panose="020B0502040204020203" pitchFamily="34" charset="0"/>
+                <a:cs typeface="Segoe UI" panose="020B0502040204020203" pitchFamily="34" charset="0"/>
+              </a:rPr>
+              <a:t>influencer</a:t>
+            </a:r>
+            <a:endParaRPr lang="en-US" sz="2400" b="1" dirty="0">
               <a:latin typeface="Segoe UI" panose="020B0502040204020203" pitchFamily="34" charset="0"/>
               <a:cs typeface="Segoe UI" panose="020B0502040204020203" pitchFamily="34" charset="0"/>
             </a:endParaRPr>
@@ -6394,7 +6505,7 @@
         <p:spPr>
           <a:xfrm>
             <a:off x="456054" y="940056"/>
-            <a:ext cx="7065402" cy="3416320"/>
+            <a:ext cx="7065402" cy="3693319"/>
           </a:xfrm>
           <a:prstGeom prst="rect">
             <a:avLst/>
@@ -6407,14 +6518,14 @@
           <a:lstStyle/>
           <a:p>
             <a:r>
-              <a:rPr lang="en-US" b="1" dirty="0">
-                <a:latin typeface="Segoe UI" panose="020B0502040204020203" pitchFamily="34" charset="0"/>
-                <a:cs typeface="Segoe UI" panose="020B0502040204020203" pitchFamily="34" charset="0"/>
-              </a:rPr>
-              <a:t>Role in Org as "Publisher"</a:t>
-            </a:r>
-            <a:r>
-              <a:rPr lang="en-US" dirty="0">
+              <a:rPr lang="en" b="1" dirty="0">
+                <a:latin typeface="Segoe UI" panose="020B0502040204020203" pitchFamily="34" charset="0"/>
+                <a:cs typeface="Segoe UI" panose="020B0502040204020203" pitchFamily="34" charset="0"/>
+              </a:rPr>
+              <a:t>Role in the organization as “editor” </a:t>
+            </a:r>
+            <a:r>
+              <a:rPr lang="en" dirty="0">
                 <a:latin typeface="Segoe UI" panose="020B0502040204020203" pitchFamily="34" charset="0"/>
                 <a:cs typeface="Segoe UI" panose="020B0502040204020203" pitchFamily="34" charset="0"/>
               </a:rPr>
@@ -6423,39 +6534,39 @@
           </a:p>
           <a:p>
             <a:r>
-              <a:rPr lang="en-US" dirty="0">
-                <a:latin typeface="Segoe UI" panose="020B0502040204020203" pitchFamily="34" charset="0"/>
-                <a:cs typeface="Segoe UI" panose="020B0502040204020203" pitchFamily="34" charset="0"/>
-              </a:rPr>
-              <a:t>The Key Influencers chart shows that being a </a:t>
-            </a:r>
-            <a:r>
-              <a:rPr lang="en-US" b="1" dirty="0">
-                <a:latin typeface="Segoe UI" panose="020B0502040204020203" pitchFamily="34" charset="0"/>
-                <a:cs typeface="Segoe UI" panose="020B0502040204020203" pitchFamily="34" charset="0"/>
-              </a:rPr>
-              <a:t>Publisher</a:t>
-            </a:r>
-            <a:r>
-              <a:rPr lang="en-US" dirty="0">
-                <a:latin typeface="Segoe UI" panose="020B0502040204020203" pitchFamily="34" charset="0"/>
-                <a:cs typeface="Segoe UI" panose="020B0502040204020203" pitchFamily="34" charset="0"/>
-              </a:rPr>
-              <a:t> increases the likelihood of a high rating by </a:t>
-            </a:r>
-            <a:r>
-              <a:rPr lang="en-US" b="1" dirty="0">
-                <a:latin typeface="Segoe UI" panose="020B0502040204020203" pitchFamily="34" charset="0"/>
-                <a:cs typeface="Segoe UI" panose="020B0502040204020203" pitchFamily="34" charset="0"/>
-              </a:rPr>
-              <a:t>1.12x</a:t>
-            </a:r>
-            <a:r>
-              <a:rPr lang="en-US" dirty="0">
-                <a:latin typeface="Segoe UI" panose="020B0502040204020203" pitchFamily="34" charset="0"/>
-                <a:cs typeface="Segoe UI" panose="020B0502040204020203" pitchFamily="34" charset="0"/>
-              </a:rPr>
-              <a:t>. </a:t>
+              <a:rPr lang="en" dirty="0">
+                <a:latin typeface="Segoe UI" panose="020B0502040204020203" pitchFamily="34" charset="0"/>
+                <a:cs typeface="Segoe UI" panose="020B0502040204020203" pitchFamily="34" charset="0"/>
+              </a:rPr>
+              <a:t>The top influencers chart shows that being a </a:t>
+            </a:r>
+            <a:r>
+              <a:rPr lang="en" b="1" dirty="0">
+                <a:latin typeface="Segoe UI" panose="020B0502040204020203" pitchFamily="34" charset="0"/>
+                <a:cs typeface="Segoe UI" panose="020B0502040204020203" pitchFamily="34" charset="0"/>
+              </a:rPr>
+              <a:t>publisher </a:t>
+            </a:r>
+            <a:r>
+              <a:rPr lang="en" dirty="0">
+                <a:latin typeface="Segoe UI" panose="020B0502040204020203" pitchFamily="34" charset="0"/>
+                <a:cs typeface="Segoe UI" panose="020B0502040204020203" pitchFamily="34" charset="0"/>
+              </a:rPr>
+              <a:t>increases the likelihood of getting a high rating by </a:t>
+            </a:r>
+            <a:r>
+              <a:rPr lang="en" b="1" dirty="0">
+                <a:latin typeface="Segoe UI" panose="020B0502040204020203" pitchFamily="34" charset="0"/>
+                <a:cs typeface="Segoe UI" panose="020B0502040204020203" pitchFamily="34" charset="0"/>
+              </a:rPr>
+              <a:t>1.12x </a:t>
+            </a:r>
+            <a:r>
+              <a:rPr lang="en" dirty="0">
+                <a:latin typeface="Segoe UI" panose="020B0502040204020203" pitchFamily="34" charset="0"/>
+                <a:cs typeface="Segoe UI" panose="020B0502040204020203" pitchFamily="34" charset="0"/>
+              </a:rPr>
+              <a:t>.</a:t>
             </a:r>
             <a:endParaRPr lang="en-US" dirty="0" smtClean="0">
               <a:latin typeface="Segoe UI" panose="020B0502040204020203" pitchFamily="34" charset="0"/>
@@ -6470,40 +6581,44 @@
           </a:p>
           <a:p>
             <a:r>
-              <a:rPr lang="en-US" dirty="0" smtClean="0">
+              <a:rPr lang="en" dirty="0" smtClean="0">
                 <a:latin typeface="Segoe UI" panose="020B0502040204020203" pitchFamily="34" charset="0"/>
                 <a:cs typeface="Segoe UI" panose="020B0502040204020203" pitchFamily="34" charset="0"/>
               </a:rPr>
               <a:t>The </a:t>
             </a:r>
             <a:r>
-              <a:rPr lang="en-US" dirty="0">
+              <a:rPr lang="en" dirty="0">
                 <a:latin typeface="Segoe UI" panose="020B0502040204020203" pitchFamily="34" charset="0"/>
                 <a:cs typeface="Segoe UI" panose="020B0502040204020203" pitchFamily="34" charset="0"/>
               </a:rPr>
               <a:t>bar chart validates this, showing </a:t>
             </a:r>
             <a:r>
-              <a:rPr lang="en-US" b="1" dirty="0">
-                <a:latin typeface="Segoe UI" panose="020B0502040204020203" pitchFamily="34" charset="0"/>
-                <a:cs typeface="Segoe UI" panose="020B0502040204020203" pitchFamily="34" charset="0"/>
-              </a:rPr>
-              <a:t>85.21%</a:t>
-            </a:r>
-            <a:r>
-              <a:rPr lang="en-US" dirty="0">
-                <a:latin typeface="Segoe UI" panose="020B0502040204020203" pitchFamily="34" charset="0"/>
-                <a:cs typeface="Segoe UI" panose="020B0502040204020203" pitchFamily="34" charset="0"/>
-              </a:rPr>
-              <a:t> high ratings for Publishers, which is higher than the average</a:t>
-            </a:r>
-            <a:r>
-              <a:rPr lang="en-US" dirty="0" smtClean="0">
-                <a:latin typeface="Segoe UI" panose="020B0502040204020203" pitchFamily="34" charset="0"/>
-                <a:cs typeface="Segoe UI" panose="020B0502040204020203" pitchFamily="34" charset="0"/>
-              </a:rPr>
-              <a:t>.</a:t>
-            </a:r>
+              <a:rPr lang="en" b="1" dirty="0">
+                <a:latin typeface="Segoe UI" panose="020B0502040204020203" pitchFamily="34" charset="0"/>
+                <a:cs typeface="Segoe UI" panose="020B0502040204020203" pitchFamily="34" charset="0"/>
+              </a:rPr>
+              <a:t>85.21% </a:t>
+            </a:r>
+            <a:r>
+              <a:rPr lang="en" dirty="0">
+                <a:latin typeface="Segoe UI" panose="020B0502040204020203" pitchFamily="34" charset="0"/>
+                <a:cs typeface="Segoe UI" panose="020B0502040204020203" pitchFamily="34" charset="0"/>
+              </a:rPr>
+              <a:t>high ratings for </a:t>
+            </a:r>
+            <a:r>
+              <a:rPr lang="en" dirty="0" smtClean="0">
+                <a:latin typeface="Segoe UI" panose="020B0502040204020203" pitchFamily="34" charset="0"/>
+                <a:cs typeface="Segoe UI" panose="020B0502040204020203" pitchFamily="34" charset="0"/>
+              </a:rPr>
+              <a:t>editors</a:t>
+            </a:r>
+            <a:endParaRPr lang="fr" dirty="0">
+              <a:latin typeface="Segoe UI" panose="020B0502040204020203" pitchFamily="34" charset="0"/>
+              <a:cs typeface="Segoe UI" panose="020B0502040204020203" pitchFamily="34" charset="0"/>
+            </a:endParaRPr>
           </a:p>
           <a:p>
             <a:endParaRPr lang="en-US" dirty="0">
@@ -6513,21 +6628,21 @@
           </a:p>
           <a:p>
             <a:r>
-              <a:rPr lang="en-US" b="1" dirty="0">
-                <a:latin typeface="Segoe UI" panose="020B0502040204020203" pitchFamily="34" charset="0"/>
-                <a:cs typeface="Segoe UI" panose="020B0502040204020203" pitchFamily="34" charset="0"/>
-              </a:rPr>
-              <a:t>Insight</a:t>
-            </a:r>
-            <a:r>
-              <a:rPr lang="en-US" dirty="0">
-                <a:latin typeface="Segoe UI" panose="020B0502040204020203" pitchFamily="34" charset="0"/>
-                <a:cs typeface="Segoe UI" panose="020B0502040204020203" pitchFamily="34" charset="0"/>
-              </a:rPr>
-              <a:t>: Publishers have a significant positive impact on high ratings</a:t>
-            </a:r>
-            <a:r>
-              <a:rPr lang="en-US" dirty="0" smtClean="0">
+              <a:rPr lang="en" b="1" dirty="0">
+                <a:latin typeface="Segoe UI" panose="020B0502040204020203" pitchFamily="34" charset="0"/>
+                <a:cs typeface="Segoe UI" panose="020B0502040204020203" pitchFamily="34" charset="0"/>
+              </a:rPr>
+              <a:t>Insight </a:t>
+            </a:r>
+            <a:r>
+              <a:rPr lang="en" dirty="0">
+                <a:latin typeface="Segoe UI" panose="020B0502040204020203" pitchFamily="34" charset="0"/>
+                <a:cs typeface="Segoe UI" panose="020B0502040204020203" pitchFamily="34" charset="0"/>
+              </a:rPr>
+              <a:t>: Editors have a significant positive impact on high ratings </a:t>
+            </a:r>
+            <a:r>
+              <a:rPr lang="en" dirty="0" smtClean="0">
                 <a:latin typeface="Segoe UI" panose="020B0502040204020203" pitchFamily="34" charset="0"/>
                 <a:cs typeface="Segoe UI" panose="020B0502040204020203" pitchFamily="34" charset="0"/>
               </a:rPr>
@@ -6542,18 +6657,18 @@
           </a:p>
           <a:p>
             <a:r>
-              <a:rPr lang="en-US" b="1" dirty="0">
-                <a:latin typeface="Segoe UI" panose="020B0502040204020203" pitchFamily="34" charset="0"/>
-                <a:cs typeface="Segoe UI" panose="020B0502040204020203" pitchFamily="34" charset="0"/>
-              </a:rPr>
-              <a:t>Recommendation</a:t>
-            </a:r>
-            <a:r>
-              <a:rPr lang="en-US" dirty="0">
-                <a:latin typeface="Segoe UI" panose="020B0502040204020203" pitchFamily="34" charset="0"/>
-                <a:cs typeface="Segoe UI" panose="020B0502040204020203" pitchFamily="34" charset="0"/>
-              </a:rPr>
-              <a:t>: Focus on engaging and retaining Publishers as they contribute most to high ratings.</a:t>
+              <a:rPr lang="en" b="1" dirty="0">
+                <a:latin typeface="Segoe UI" panose="020B0502040204020203" pitchFamily="34" charset="0"/>
+                <a:cs typeface="Segoe UI" panose="020B0502040204020203" pitchFamily="34" charset="0"/>
+              </a:rPr>
+              <a:t>Recommendation </a:t>
+            </a:r>
+            <a:r>
+              <a:rPr lang="en" dirty="0">
+                <a:latin typeface="Segoe UI" panose="020B0502040204020203" pitchFamily="34" charset="0"/>
+                <a:cs typeface="Segoe UI" panose="020B0502040204020203" pitchFamily="34" charset="0"/>
+              </a:rPr>
+              <a:t>: Focus on publisher engagement and retention, as they contribute the most to high ratings.</a:t>
             </a:r>
           </a:p>
         </p:txBody>
@@ -6566,8 +6681,8 @@
         </p:nvCxnSpPr>
         <p:spPr>
           <a:xfrm>
-            <a:off x="4620126" y="1670671"/>
-            <a:ext cx="4950136" cy="41251"/>
+            <a:off x="6799561" y="1660358"/>
+            <a:ext cx="2770701" cy="51564"/>
           </a:xfrm>
           <a:prstGeom prst="straightConnector1">
             <a:avLst/>
@@ -6602,8 +6717,8 @@
         </p:nvCxnSpPr>
         <p:spPr>
           <a:xfrm flipV="1">
-            <a:off x="6799561" y="1938803"/>
-            <a:ext cx="3526971" cy="316259"/>
+            <a:off x="7411453" y="1938804"/>
+            <a:ext cx="2915079" cy="262975"/>
           </a:xfrm>
           <a:prstGeom prst="straightConnector1">
             <a:avLst/>
@@ -6669,7 +6784,7 @@
         <p:spPr>
           <a:xfrm>
             <a:off x="323133" y="192505"/>
-            <a:ext cx="2676502" cy="461665"/>
+            <a:ext cx="2722092" cy="461665"/>
           </a:xfrm>
           <a:prstGeom prst="rect">
             <a:avLst/>
@@ -6683,20 +6798,34 @@
           <a:lstStyle/>
           <a:p>
             <a:r>
-              <a:rPr lang="en-US" sz="2400" dirty="0" smtClean="0">
+              <a:rPr lang="en" sz="2400" b="1" dirty="0" smtClean="0">
                 <a:latin typeface="Segoe UI" panose="020B0502040204020203" pitchFamily="34" charset="0"/>
                 <a:cs typeface="Segoe UI" panose="020B0502040204020203" pitchFamily="34" charset="0"/>
               </a:rPr>
               <a:t>The </a:t>
             </a:r>
             <a:r>
-              <a:rPr lang="en-US" sz="2400" dirty="0" smtClean="0">
-                <a:latin typeface="Segoe UI" panose="020B0502040204020203" pitchFamily="34" charset="0"/>
-                <a:cs typeface="Segoe UI" panose="020B0502040204020203" pitchFamily="34" charset="0"/>
-              </a:rPr>
-              <a:t>Key influencer</a:t>
-            </a:r>
-            <a:endParaRPr lang="en-US" sz="2400" dirty="0">
+              <a:rPr lang="en" sz="2400" b="1" dirty="0" err="1" smtClean="0">
+                <a:latin typeface="Segoe UI" panose="020B0502040204020203" pitchFamily="34" charset="0"/>
+                <a:cs typeface="Segoe UI" panose="020B0502040204020203" pitchFamily="34" charset="0"/>
+              </a:rPr>
+              <a:t>key</a:t>
+            </a:r>
+            <a:r>
+              <a:rPr lang="en" sz="2400" b="1" dirty="0" smtClean="0">
+                <a:latin typeface="Segoe UI" panose="020B0502040204020203" pitchFamily="34" charset="0"/>
+                <a:cs typeface="Segoe UI" panose="020B0502040204020203" pitchFamily="34" charset="0"/>
+              </a:rPr>
+              <a:t> </a:t>
+            </a:r>
+            <a:r>
+              <a:rPr lang="en" sz="2400" b="1" dirty="0" err="1" smtClean="0">
+                <a:latin typeface="Segoe UI" panose="020B0502040204020203" pitchFamily="34" charset="0"/>
+                <a:cs typeface="Segoe UI" panose="020B0502040204020203" pitchFamily="34" charset="0"/>
+              </a:rPr>
+              <a:t>influencer</a:t>
+            </a:r>
+            <a:endParaRPr lang="en-US" sz="2400" b="1" dirty="0">
               <a:latin typeface="Segoe UI" panose="020B0502040204020203" pitchFamily="34" charset="0"/>
               <a:cs typeface="Segoe UI" panose="020B0502040204020203" pitchFamily="34" charset="0"/>
             </a:endParaRPr>
@@ -6745,8 +6874,8 @@
         </p:nvCxnSpPr>
         <p:spPr>
           <a:xfrm>
-            <a:off x="3815729" y="1567543"/>
-            <a:ext cx="4028860" cy="453762"/>
+            <a:off x="5101389" y="1567543"/>
+            <a:ext cx="2743200" cy="453762"/>
           </a:xfrm>
           <a:prstGeom prst="straightConnector1">
             <a:avLst/>
@@ -6781,8 +6910,8 @@
         </p:nvCxnSpPr>
         <p:spPr>
           <a:xfrm>
-            <a:off x="3815729" y="1567543"/>
-            <a:ext cx="4028860" cy="1368162"/>
+            <a:off x="5101389" y="1567543"/>
+            <a:ext cx="2743200" cy="1368162"/>
           </a:xfrm>
           <a:prstGeom prst="straightConnector1">
             <a:avLst/>
@@ -6831,14 +6960,14 @@
           <a:lstStyle/>
           <a:p>
             <a:r>
-              <a:rPr lang="en-US" b="1" dirty="0" smtClean="0">
-                <a:latin typeface="Segoe UI" panose="020B0502040204020203" pitchFamily="34" charset="0"/>
-                <a:cs typeface="Segoe UI" panose="020B0502040204020203" pitchFamily="34" charset="0"/>
-              </a:rPr>
-              <a:t>Themes</a:t>
-            </a:r>
-            <a:r>
-              <a:rPr lang="en-US" dirty="0" smtClean="0">
+              <a:rPr lang="en" b="1" dirty="0" smtClean="0">
+                <a:latin typeface="Segoe UI" panose="020B0502040204020203" pitchFamily="34" charset="0"/>
+                <a:cs typeface="Segoe UI" panose="020B0502040204020203" pitchFamily="34" charset="0"/>
+              </a:rPr>
+              <a:t>Themes </a:t>
+            </a:r>
+            <a:r>
+              <a:rPr lang="en" dirty="0" smtClean="0">
                 <a:latin typeface="Segoe UI" panose="020B0502040204020203" pitchFamily="34" charset="0"/>
                 <a:cs typeface="Segoe UI" panose="020B0502040204020203" pitchFamily="34" charset="0"/>
               </a:rPr>
@@ -6851,70 +6980,70 @@
           </a:p>
           <a:p>
             <a:r>
-              <a:rPr lang="en-US" dirty="0">
+              <a:rPr lang="en" dirty="0">
                 <a:latin typeface="Segoe UI" panose="020B0502040204020203" pitchFamily="34" charset="0"/>
                 <a:cs typeface="Segoe UI" panose="020B0502040204020203" pitchFamily="34" charset="0"/>
               </a:rPr>
               <a:t>Themes such as </a:t>
             </a:r>
             <a:r>
-              <a:rPr lang="en-US" b="1" dirty="0">
-                <a:latin typeface="Segoe UI" panose="020B0502040204020203" pitchFamily="34" charset="0"/>
-                <a:cs typeface="Segoe UI" panose="020B0502040204020203" pitchFamily="34" charset="0"/>
-              </a:rPr>
-              <a:t>Price</a:t>
-            </a:r>
-            <a:r>
-              <a:rPr lang="en-US" dirty="0">
-                <a:latin typeface="Segoe UI" panose="020B0502040204020203" pitchFamily="34" charset="0"/>
-                <a:cs typeface="Segoe UI" panose="020B0502040204020203" pitchFamily="34" charset="0"/>
-              </a:rPr>
-              <a:t> and </a:t>
-            </a:r>
-            <a:r>
-              <a:rPr lang="en-US" b="1" dirty="0">
-                <a:latin typeface="Segoe UI" panose="020B0502040204020203" pitchFamily="34" charset="0"/>
-                <a:cs typeface="Segoe UI" panose="020B0502040204020203" pitchFamily="34" charset="0"/>
-              </a:rPr>
-              <a:t>Design</a:t>
-            </a:r>
-            <a:r>
-              <a:rPr lang="en-US" dirty="0">
-                <a:latin typeface="Segoe UI" panose="020B0502040204020203" pitchFamily="34" charset="0"/>
-                <a:cs typeface="Segoe UI" panose="020B0502040204020203" pitchFamily="34" charset="0"/>
-              </a:rPr>
-              <a:t> have modest positive impacts (</a:t>
-            </a:r>
-            <a:r>
-              <a:rPr lang="en-US" b="1" dirty="0">
-                <a:latin typeface="Segoe UI" panose="020B0502040204020203" pitchFamily="34" charset="0"/>
-                <a:cs typeface="Segoe UI" panose="020B0502040204020203" pitchFamily="34" charset="0"/>
-              </a:rPr>
-              <a:t>1.07x</a:t>
-            </a:r>
-            <a:r>
-              <a:rPr lang="en-US" dirty="0">
-                <a:latin typeface="Segoe UI" panose="020B0502040204020203" pitchFamily="34" charset="0"/>
-                <a:cs typeface="Segoe UI" panose="020B0502040204020203" pitchFamily="34" charset="0"/>
-              </a:rPr>
-              <a:t> and </a:t>
-            </a:r>
-            <a:r>
-              <a:rPr lang="en-US" b="1" dirty="0">
-                <a:latin typeface="Segoe UI" panose="020B0502040204020203" pitchFamily="34" charset="0"/>
-                <a:cs typeface="Segoe UI" panose="020B0502040204020203" pitchFamily="34" charset="0"/>
-              </a:rPr>
-              <a:t>1.04x</a:t>
-            </a:r>
-            <a:r>
-              <a:rPr lang="en-US" dirty="0">
-                <a:latin typeface="Segoe UI" panose="020B0502040204020203" pitchFamily="34" charset="0"/>
-                <a:cs typeface="Segoe UI" panose="020B0502040204020203" pitchFamily="34" charset="0"/>
-              </a:rPr>
-              <a:t>, respectively</a:t>
-            </a:r>
-            <a:r>
-              <a:rPr lang="en-US" dirty="0" smtClean="0">
+              <a:rPr lang="en" b="1" dirty="0">
+                <a:latin typeface="Segoe UI" panose="020B0502040204020203" pitchFamily="34" charset="0"/>
+                <a:cs typeface="Segoe UI" panose="020B0502040204020203" pitchFamily="34" charset="0"/>
+              </a:rPr>
+              <a:t>price </a:t>
+            </a:r>
+            <a:r>
+              <a:rPr lang="en" dirty="0">
+                <a:latin typeface="Segoe UI" panose="020B0502040204020203" pitchFamily="34" charset="0"/>
+                <a:cs typeface="Segoe UI" panose="020B0502040204020203" pitchFamily="34" charset="0"/>
+              </a:rPr>
+              <a:t>and </a:t>
+            </a:r>
+            <a:r>
+              <a:rPr lang="en" b="1" dirty="0">
+                <a:latin typeface="Segoe UI" panose="020B0502040204020203" pitchFamily="34" charset="0"/>
+                <a:cs typeface="Segoe UI" panose="020B0502040204020203" pitchFamily="34" charset="0"/>
+              </a:rPr>
+              <a:t>design </a:t>
+            </a:r>
+            <a:r>
+              <a:rPr lang="en" dirty="0">
+                <a:latin typeface="Segoe UI" panose="020B0502040204020203" pitchFamily="34" charset="0"/>
+                <a:cs typeface="Segoe UI" panose="020B0502040204020203" pitchFamily="34" charset="0"/>
+              </a:rPr>
+              <a:t>have modest positive impacts ( </a:t>
+            </a:r>
+            <a:r>
+              <a:rPr lang="en" b="1" dirty="0">
+                <a:latin typeface="Segoe UI" panose="020B0502040204020203" pitchFamily="34" charset="0"/>
+                <a:cs typeface="Segoe UI" panose="020B0502040204020203" pitchFamily="34" charset="0"/>
+              </a:rPr>
+              <a:t>1.07x </a:t>
+            </a:r>
+            <a:r>
+              <a:rPr lang="en" dirty="0">
+                <a:latin typeface="Segoe UI" panose="020B0502040204020203" pitchFamily="34" charset="0"/>
+                <a:cs typeface="Segoe UI" panose="020B0502040204020203" pitchFamily="34" charset="0"/>
+              </a:rPr>
+              <a:t>and </a:t>
+            </a:r>
+            <a:r>
+              <a:rPr lang="en" b="1" dirty="0">
+                <a:latin typeface="Segoe UI" panose="020B0502040204020203" pitchFamily="34" charset="0"/>
+                <a:cs typeface="Segoe UI" panose="020B0502040204020203" pitchFamily="34" charset="0"/>
+              </a:rPr>
+              <a:t>1.04x </a:t>
+            </a:r>
+            <a:r>
+              <a:rPr lang="en" dirty="0">
+                <a:latin typeface="Segoe UI" panose="020B0502040204020203" pitchFamily="34" charset="0"/>
+                <a:cs typeface="Segoe UI" panose="020B0502040204020203" pitchFamily="34" charset="0"/>
+              </a:rPr>
+              <a:t>, respectively </a:t>
+            </a:r>
+            <a:r>
+              <a:rPr lang="en" dirty="0" smtClean="0">
                 <a:latin typeface="Segoe UI" panose="020B0502040204020203" pitchFamily="34" charset="0"/>
                 <a:cs typeface="Segoe UI" panose="020B0502040204020203" pitchFamily="34" charset="0"/>
               </a:rPr>
@@ -6957,18 +7086,18 @@
           </a:p>
           <a:p>
             <a:r>
-              <a:rPr lang="en-US" b="1" dirty="0" smtClean="0">
-                <a:latin typeface="Segoe UI" panose="020B0502040204020203" pitchFamily="34" charset="0"/>
-                <a:cs typeface="Segoe UI" panose="020B0502040204020203" pitchFamily="34" charset="0"/>
-              </a:rPr>
-              <a:t>Insight</a:t>
-            </a:r>
-            <a:r>
-              <a:rPr lang="en-US" dirty="0">
-                <a:latin typeface="Segoe UI" panose="020B0502040204020203" pitchFamily="34" charset="0"/>
-                <a:cs typeface="Segoe UI" panose="020B0502040204020203" pitchFamily="34" charset="0"/>
-              </a:rPr>
-              <a:t>: These factors slightly boost satisfaction, indicating areas to refine further.</a:t>
+              <a:rPr lang="en" b="1" dirty="0" smtClean="0">
+                <a:latin typeface="Segoe UI" panose="020B0502040204020203" pitchFamily="34" charset="0"/>
+                <a:cs typeface="Segoe UI" panose="020B0502040204020203" pitchFamily="34" charset="0"/>
+              </a:rPr>
+              <a:t>Overview </a:t>
+            </a:r>
+            <a:r>
+              <a:rPr lang="en" dirty="0">
+                <a:latin typeface="Segoe UI" panose="020B0502040204020203" pitchFamily="34" charset="0"/>
+                <a:cs typeface="Segoe UI" panose="020B0502040204020203" pitchFamily="34" charset="0"/>
+              </a:rPr>
+              <a:t>: These factors slightly increase satisfaction, indicating areas for further refinement.</a:t>
             </a:r>
           </a:p>
           <a:p>
@@ -6979,18 +7108,18 @@
           </a:p>
           <a:p>
             <a:r>
-              <a:rPr lang="en-US" b="1" dirty="0" smtClean="0">
-                <a:latin typeface="Segoe UI" panose="020B0502040204020203" pitchFamily="34" charset="0"/>
-                <a:cs typeface="Segoe UI" panose="020B0502040204020203" pitchFamily="34" charset="0"/>
-              </a:rPr>
-              <a:t>Recommendation</a:t>
-            </a:r>
-            <a:r>
-              <a:rPr lang="en-US" dirty="0">
-                <a:latin typeface="Segoe UI" panose="020B0502040204020203" pitchFamily="34" charset="0"/>
-                <a:cs typeface="Segoe UI" panose="020B0502040204020203" pitchFamily="34" charset="0"/>
-              </a:rPr>
-              <a:t>: Highlight competitive pricing and improve design elements to reinforce satisfaction.</a:t>
+              <a:rPr lang="en" b="1" dirty="0" smtClean="0">
+                <a:latin typeface="Segoe UI" panose="020B0502040204020203" pitchFamily="34" charset="0"/>
+                <a:cs typeface="Segoe UI" panose="020B0502040204020203" pitchFamily="34" charset="0"/>
+              </a:rPr>
+              <a:t>Recommendation </a:t>
+            </a:r>
+            <a:r>
+              <a:rPr lang="en" dirty="0">
+                <a:latin typeface="Segoe UI" panose="020B0502040204020203" pitchFamily="34" charset="0"/>
+                <a:cs typeface="Segoe UI" panose="020B0502040204020203" pitchFamily="34" charset="0"/>
+              </a:rPr>
+              <a:t>: Highlight competitive pricing and improve design elements to enhance satisfaction.</a:t>
             </a:r>
           </a:p>
         </p:txBody>
@@ -7034,7 +7163,7 @@
         <p:spPr>
           <a:xfrm>
             <a:off x="323133" y="192505"/>
-            <a:ext cx="2676502" cy="461665"/>
+            <a:ext cx="2722092" cy="461665"/>
           </a:xfrm>
           <a:prstGeom prst="rect">
             <a:avLst/>
@@ -7048,20 +7177,34 @@
           <a:lstStyle/>
           <a:p>
             <a:r>
-              <a:rPr lang="en-US" sz="2400" dirty="0" smtClean="0">
+              <a:rPr lang="en" sz="2400" b="1" dirty="0" smtClean="0">
                 <a:latin typeface="Segoe UI" panose="020B0502040204020203" pitchFamily="34" charset="0"/>
                 <a:cs typeface="Segoe UI" panose="020B0502040204020203" pitchFamily="34" charset="0"/>
               </a:rPr>
               <a:t>The </a:t>
             </a:r>
             <a:r>
-              <a:rPr lang="en-US" sz="2400" dirty="0" smtClean="0">
-                <a:latin typeface="Segoe UI" panose="020B0502040204020203" pitchFamily="34" charset="0"/>
-                <a:cs typeface="Segoe UI" panose="020B0502040204020203" pitchFamily="34" charset="0"/>
-              </a:rPr>
-              <a:t>Key influencer</a:t>
-            </a:r>
-            <a:endParaRPr lang="en-US" sz="2400" dirty="0">
+              <a:rPr lang="en" sz="2400" b="1" dirty="0" err="1" smtClean="0">
+                <a:latin typeface="Segoe UI" panose="020B0502040204020203" pitchFamily="34" charset="0"/>
+                <a:cs typeface="Segoe UI" panose="020B0502040204020203" pitchFamily="34" charset="0"/>
+              </a:rPr>
+              <a:t>key</a:t>
+            </a:r>
+            <a:r>
+              <a:rPr lang="en" sz="2400" b="1" dirty="0" smtClean="0">
+                <a:latin typeface="Segoe UI" panose="020B0502040204020203" pitchFamily="34" charset="0"/>
+                <a:cs typeface="Segoe UI" panose="020B0502040204020203" pitchFamily="34" charset="0"/>
+              </a:rPr>
+              <a:t> </a:t>
+            </a:r>
+            <a:r>
+              <a:rPr lang="en" sz="2400" b="1" dirty="0" err="1" smtClean="0">
+                <a:latin typeface="Segoe UI" panose="020B0502040204020203" pitchFamily="34" charset="0"/>
+                <a:cs typeface="Segoe UI" panose="020B0502040204020203" pitchFamily="34" charset="0"/>
+              </a:rPr>
+              <a:t>influencer</a:t>
+            </a:r>
+            <a:endParaRPr lang="en-US" sz="2400" b="1" dirty="0">
               <a:latin typeface="Segoe UI" panose="020B0502040204020203" pitchFamily="34" charset="0"/>
               <a:cs typeface="Segoe UI" panose="020B0502040204020203" pitchFamily="34" charset="0"/>
             </a:endParaRPr>
@@ -7160,14 +7303,14 @@
           <a:lstStyle/>
           <a:p>
             <a:r>
-              <a:rPr lang="en-US" b="1" dirty="0">
-                <a:latin typeface="Segoe UI" panose="020B0502040204020203" pitchFamily="34" charset="0"/>
-                <a:cs typeface="Segoe UI" panose="020B0502040204020203" pitchFamily="34" charset="0"/>
-              </a:rPr>
-              <a:t>Regions and Company Size</a:t>
-            </a:r>
-            <a:r>
-              <a:rPr lang="en-US" dirty="0">
+              <a:rPr lang="en" b="1" dirty="0">
+                <a:latin typeface="Segoe UI" panose="020B0502040204020203" pitchFamily="34" charset="0"/>
+                <a:cs typeface="Segoe UI" panose="020B0502040204020203" pitchFamily="34" charset="0"/>
+              </a:rPr>
+              <a:t>Regions and company size </a:t>
+            </a:r>
+            <a:r>
+              <a:rPr lang="en" dirty="0">
                 <a:latin typeface="Segoe UI" panose="020B0502040204020203" pitchFamily="34" charset="0"/>
                 <a:cs typeface="Segoe UI" panose="020B0502040204020203" pitchFamily="34" charset="0"/>
               </a:rPr>
@@ -7176,49 +7319,49 @@
           </a:p>
           <a:p>
             <a:r>
-              <a:rPr lang="en-US" b="1" dirty="0">
-                <a:latin typeface="Segoe UI" panose="020B0502040204020203" pitchFamily="34" charset="0"/>
-                <a:cs typeface="Segoe UI" panose="020B0502040204020203" pitchFamily="34" charset="0"/>
-              </a:rPr>
-              <a:t>Germany</a:t>
-            </a:r>
-            <a:r>
-              <a:rPr lang="en-US" dirty="0">
-                <a:latin typeface="Segoe UI" panose="020B0502040204020203" pitchFamily="34" charset="0"/>
-                <a:cs typeface="Segoe UI" panose="020B0502040204020203" pitchFamily="34" charset="0"/>
-              </a:rPr>
-              <a:t> and </a:t>
-            </a:r>
-            <a:r>
-              <a:rPr lang="en-US" b="1" dirty="0">
-                <a:latin typeface="Segoe UI" panose="020B0502040204020203" pitchFamily="34" charset="0"/>
-                <a:cs typeface="Segoe UI" panose="020B0502040204020203" pitchFamily="34" charset="0"/>
-              </a:rPr>
-              <a:t>company size (5,000-50,000)</a:t>
-            </a:r>
-            <a:r>
-              <a:rPr lang="en-US" dirty="0">
-                <a:latin typeface="Segoe UI" panose="020B0502040204020203" pitchFamily="34" charset="0"/>
-                <a:cs typeface="Segoe UI" panose="020B0502040204020203" pitchFamily="34" charset="0"/>
-              </a:rPr>
-              <a:t> contribute a </a:t>
-            </a:r>
-            <a:r>
-              <a:rPr lang="en-US" b="1" dirty="0">
-                <a:latin typeface="Segoe UI" panose="020B0502040204020203" pitchFamily="34" charset="0"/>
-                <a:cs typeface="Segoe UI" panose="020B0502040204020203" pitchFamily="34" charset="0"/>
-              </a:rPr>
-              <a:t>1.05x</a:t>
-            </a:r>
-            <a:r>
-              <a:rPr lang="en-US" dirty="0">
-                <a:latin typeface="Segoe UI" panose="020B0502040204020203" pitchFamily="34" charset="0"/>
-                <a:cs typeface="Segoe UI" panose="020B0502040204020203" pitchFamily="34" charset="0"/>
-              </a:rPr>
-              <a:t> likelihood of high ratings</a:t>
-            </a:r>
-            <a:r>
-              <a:rPr lang="en-US" dirty="0" smtClean="0">
+              <a:rPr lang="en" b="1" dirty="0">
+                <a:latin typeface="Segoe UI" panose="020B0502040204020203" pitchFamily="34" charset="0"/>
+                <a:cs typeface="Segoe UI" panose="020B0502040204020203" pitchFamily="34" charset="0"/>
+              </a:rPr>
+              <a:t>Germany </a:t>
+            </a:r>
+            <a:r>
+              <a:rPr lang="en" dirty="0">
+                <a:latin typeface="Segoe UI" panose="020B0502040204020203" pitchFamily="34" charset="0"/>
+                <a:cs typeface="Segoe UI" panose="020B0502040204020203" pitchFamily="34" charset="0"/>
+              </a:rPr>
+              <a:t>and </a:t>
+            </a:r>
+            <a:r>
+              <a:rPr lang="en" b="1" dirty="0">
+                <a:latin typeface="Segoe UI" panose="020B0502040204020203" pitchFamily="34" charset="0"/>
+                <a:cs typeface="Segoe UI" panose="020B0502040204020203" pitchFamily="34" charset="0"/>
+              </a:rPr>
+              <a:t>company size (5,000 to 50,000) </a:t>
+            </a:r>
+            <a:r>
+              <a:rPr lang="en" dirty="0">
+                <a:latin typeface="Segoe UI" panose="020B0502040204020203" pitchFamily="34" charset="0"/>
+                <a:cs typeface="Segoe UI" panose="020B0502040204020203" pitchFamily="34" charset="0"/>
+              </a:rPr>
+              <a:t>contribute to a </a:t>
+            </a:r>
+            <a:r>
+              <a:rPr lang="en" b="1" dirty="0">
+                <a:latin typeface="Segoe UI" panose="020B0502040204020203" pitchFamily="34" charset="0"/>
+                <a:cs typeface="Segoe UI" panose="020B0502040204020203" pitchFamily="34" charset="0"/>
+              </a:rPr>
+              <a:t>1.05 times higher probability </a:t>
+            </a:r>
+            <a:r>
+              <a:rPr lang="en" dirty="0">
+                <a:latin typeface="Segoe UI" panose="020B0502040204020203" pitchFamily="34" charset="0"/>
+                <a:cs typeface="Segoe UI" panose="020B0502040204020203" pitchFamily="34" charset="0"/>
+              </a:rPr>
+              <a:t>of receiving high scores </a:t>
+            </a:r>
+            <a:r>
+              <a:rPr lang="en" dirty="0" smtClean="0">
                 <a:latin typeface="Segoe UI" panose="020B0502040204020203" pitchFamily="34" charset="0"/>
                 <a:cs typeface="Segoe UI" panose="020B0502040204020203" pitchFamily="34" charset="0"/>
               </a:rPr>
@@ -7253,21 +7396,21 @@
           </a:p>
           <a:p>
             <a:r>
-              <a:rPr lang="en-US" b="1" dirty="0">
-                <a:latin typeface="Segoe UI" panose="020B0502040204020203" pitchFamily="34" charset="0"/>
-                <a:cs typeface="Segoe UI" panose="020B0502040204020203" pitchFamily="34" charset="0"/>
-              </a:rPr>
-              <a:t>Insight</a:t>
-            </a:r>
-            <a:r>
-              <a:rPr lang="en-US" dirty="0">
-                <a:latin typeface="Segoe UI" panose="020B0502040204020203" pitchFamily="34" charset="0"/>
-                <a:cs typeface="Segoe UI" panose="020B0502040204020203" pitchFamily="34" charset="0"/>
-              </a:rPr>
-              <a:t>: These characteristics define segments that are more likely to provide positive feedback</a:t>
-            </a:r>
-            <a:r>
-              <a:rPr lang="en-US" dirty="0" smtClean="0">
+              <a:rPr lang="en" b="1" dirty="0">
+                <a:latin typeface="Segoe UI" panose="020B0502040204020203" pitchFamily="34" charset="0"/>
+                <a:cs typeface="Segoe UI" panose="020B0502040204020203" pitchFamily="34" charset="0"/>
+              </a:rPr>
+              <a:t>Insight </a:t>
+            </a:r>
+            <a:r>
+              <a:rPr lang="en" dirty="0">
+                <a:latin typeface="Segoe UI" panose="020B0502040204020203" pitchFamily="34" charset="0"/>
+                <a:cs typeface="Segoe UI" panose="020B0502040204020203" pitchFamily="34" charset="0"/>
+              </a:rPr>
+              <a:t>: These characteristics define the segments that are more likely to provide positive feedback </a:t>
+            </a:r>
+            <a:r>
+              <a:rPr lang="en" dirty="0" smtClean="0">
                 <a:latin typeface="Segoe UI" panose="020B0502040204020203" pitchFamily="34" charset="0"/>
                 <a:cs typeface="Segoe UI" panose="020B0502040204020203" pitchFamily="34" charset="0"/>
               </a:rPr>
@@ -7296,18 +7439,18 @@
           </a:p>
           <a:p>
             <a:r>
-              <a:rPr lang="en-US" b="1" dirty="0">
-                <a:latin typeface="Segoe UI" panose="020B0502040204020203" pitchFamily="34" charset="0"/>
-                <a:cs typeface="Segoe UI" panose="020B0502040204020203" pitchFamily="34" charset="0"/>
-              </a:rPr>
-              <a:t>Recommendation</a:t>
-            </a:r>
-            <a:r>
-              <a:rPr lang="en-US" dirty="0">
-                <a:latin typeface="Segoe UI" panose="020B0502040204020203" pitchFamily="34" charset="0"/>
-                <a:cs typeface="Segoe UI" panose="020B0502040204020203" pitchFamily="34" charset="0"/>
-              </a:rPr>
-              <a:t>: Tailor strategies to maintain satisfaction in Germany and mid-sized companies.</a:t>
+              <a:rPr lang="en" b="1" dirty="0">
+                <a:latin typeface="Segoe UI" panose="020B0502040204020203" pitchFamily="34" charset="0"/>
+                <a:cs typeface="Segoe UI" panose="020B0502040204020203" pitchFamily="34" charset="0"/>
+              </a:rPr>
+              <a:t>Recommendation </a:t>
+            </a:r>
+            <a:r>
+              <a:rPr lang="en" dirty="0">
+                <a:latin typeface="Segoe UI" panose="020B0502040204020203" pitchFamily="34" charset="0"/>
+                <a:cs typeface="Segoe UI" panose="020B0502040204020203" pitchFamily="34" charset="0"/>
+              </a:rPr>
+              <a:t>: Adapt your strategies to maintain satisfaction in Germany and in medium-sized companies.</a:t>
             </a:r>
           </a:p>
         </p:txBody>
@@ -7351,7 +7494,7 @@
         <p:spPr>
           <a:xfrm>
             <a:off x="323133" y="192505"/>
-            <a:ext cx="2676502" cy="461665"/>
+            <a:ext cx="2722092" cy="461665"/>
           </a:xfrm>
           <a:prstGeom prst="rect">
             <a:avLst/>
@@ -7365,20 +7508,34 @@
           <a:lstStyle/>
           <a:p>
             <a:r>
-              <a:rPr lang="en-US" sz="2400" dirty="0" smtClean="0">
+              <a:rPr lang="en" sz="2400" b="1" dirty="0" smtClean="0">
                 <a:latin typeface="Segoe UI" panose="020B0502040204020203" pitchFamily="34" charset="0"/>
                 <a:cs typeface="Segoe UI" panose="020B0502040204020203" pitchFamily="34" charset="0"/>
               </a:rPr>
               <a:t>The </a:t>
             </a:r>
             <a:r>
-              <a:rPr lang="en-US" sz="2400" dirty="0" smtClean="0">
-                <a:latin typeface="Segoe UI" panose="020B0502040204020203" pitchFamily="34" charset="0"/>
-                <a:cs typeface="Segoe UI" panose="020B0502040204020203" pitchFamily="34" charset="0"/>
-              </a:rPr>
-              <a:t>Key influencer</a:t>
-            </a:r>
-            <a:endParaRPr lang="en-US" sz="2400" dirty="0">
+              <a:rPr lang="en" sz="2400" b="1" dirty="0" err="1" smtClean="0">
+                <a:latin typeface="Segoe UI" panose="020B0502040204020203" pitchFamily="34" charset="0"/>
+                <a:cs typeface="Segoe UI" panose="020B0502040204020203" pitchFamily="34" charset="0"/>
+              </a:rPr>
+              <a:t>key</a:t>
+            </a:r>
+            <a:r>
+              <a:rPr lang="en" sz="2400" b="1" dirty="0" smtClean="0">
+                <a:latin typeface="Segoe UI" panose="020B0502040204020203" pitchFamily="34" charset="0"/>
+                <a:cs typeface="Segoe UI" panose="020B0502040204020203" pitchFamily="34" charset="0"/>
+              </a:rPr>
+              <a:t> </a:t>
+            </a:r>
+            <a:r>
+              <a:rPr lang="en" sz="2400" b="1" dirty="0" err="1" smtClean="0">
+                <a:latin typeface="Segoe UI" panose="020B0502040204020203" pitchFamily="34" charset="0"/>
+                <a:cs typeface="Segoe UI" panose="020B0502040204020203" pitchFamily="34" charset="0"/>
+              </a:rPr>
+              <a:t>influencer</a:t>
+            </a:r>
+            <a:endParaRPr lang="en-US" sz="2400" b="1" dirty="0">
               <a:latin typeface="Segoe UI" panose="020B0502040204020203" pitchFamily="34" charset="0"/>
               <a:cs typeface="Segoe UI" panose="020B0502040204020203" pitchFamily="34" charset="0"/>
             </a:endParaRPr>
@@ -7407,11 +7564,11 @@
           <a:lstStyle/>
           <a:p>
             <a:r>
-              <a:rPr lang="en-US" b="1" dirty="0">
-                <a:latin typeface="Segoe UI" panose="020B0502040204020203" pitchFamily="34" charset="0"/>
-                <a:cs typeface="Segoe UI" panose="020B0502040204020203" pitchFamily="34" charset="0"/>
-              </a:rPr>
-              <a:t>Analyze Top Segments for High Rating</a:t>
+              <a:rPr lang="en" b="1" dirty="0">
+                <a:latin typeface="Segoe UI" panose="020B0502040204020203" pitchFamily="34" charset="0"/>
+                <a:cs typeface="Segoe UI" panose="020B0502040204020203" pitchFamily="34" charset="0"/>
+              </a:rPr>
+              <a:t>Analyze the best segments for a high score</a:t>
             </a:r>
           </a:p>
           <a:p>
@@ -7420,14 +7577,14 @@
               <a:buChar char="•"/>
             </a:pPr>
             <a:r>
-              <a:rPr lang="en-US" dirty="0">
-                <a:latin typeface="Segoe UI" panose="020B0502040204020203" pitchFamily="34" charset="0"/>
-                <a:cs typeface="Segoe UI" panose="020B0502040204020203" pitchFamily="34" charset="0"/>
-              </a:rPr>
-              <a:t>Segments are ranked by the percentage of high ratings and population size</a:t>
-            </a:r>
-            <a:r>
-              <a:rPr lang="en-US" dirty="0" smtClean="0">
+              <a:rPr lang="en" dirty="0">
+                <a:latin typeface="Segoe UI" panose="020B0502040204020203" pitchFamily="34" charset="0"/>
+                <a:cs typeface="Segoe UI" panose="020B0502040204020203" pitchFamily="34" charset="0"/>
+              </a:rPr>
+              <a:t>Segments are ranked based on the percentage of high scores and population size </a:t>
+            </a:r>
+            <a:r>
+              <a:rPr lang="en" dirty="0" smtClean="0">
                 <a:latin typeface="Segoe UI" panose="020B0502040204020203" pitchFamily="34" charset="0"/>
                 <a:cs typeface="Segoe UI" panose="020B0502040204020203" pitchFamily="34" charset="0"/>
               </a:rPr>
@@ -7446,21 +7603,21 @@
               <a:buChar char="•"/>
             </a:pPr>
             <a:r>
-              <a:rPr lang="en-US" b="1" dirty="0">
-                <a:latin typeface="Segoe UI" panose="020B0502040204020203" pitchFamily="34" charset="0"/>
-                <a:cs typeface="Segoe UI" panose="020B0502040204020203" pitchFamily="34" charset="0"/>
-              </a:rPr>
-              <a:t>Segment 1</a:t>
-            </a:r>
-            <a:r>
-              <a:rPr lang="en-US" dirty="0">
-                <a:latin typeface="Segoe UI" panose="020B0502040204020203" pitchFamily="34" charset="0"/>
-                <a:cs typeface="Segoe UI" panose="020B0502040204020203" pitchFamily="34" charset="0"/>
-              </a:rPr>
-              <a:t> (96.7% high rating, population: 8,031) represents the most satisfied group, followed by other segments with slightly lower ratings (94.7%-91.0</a:t>
-            </a:r>
-            <a:r>
-              <a:rPr lang="en-US" dirty="0" smtClean="0">
+              <a:rPr lang="en" b="1" dirty="0">
+                <a:latin typeface="Segoe UI" panose="020B0502040204020203" pitchFamily="34" charset="0"/>
+                <a:cs typeface="Segoe UI" panose="020B0502040204020203" pitchFamily="34" charset="0"/>
+              </a:rPr>
+              <a:t>Segment 1 </a:t>
+            </a:r>
+            <a:r>
+              <a:rPr lang="en" dirty="0">
+                <a:latin typeface="Segoe UI" panose="020B0502040204020203" pitchFamily="34" charset="0"/>
+                <a:cs typeface="Segoe UI" panose="020B0502040204020203" pitchFamily="34" charset="0"/>
+              </a:rPr>
+              <a:t>(96.7% high scores, population: 8,031) represents the most satisfied group, followed by other segments with slightly lower scores (94.7%-91.0 </a:t>
+            </a:r>
+            <a:r>
+              <a:rPr lang="en" dirty="0" smtClean="0">
                 <a:latin typeface="Segoe UI" panose="020B0502040204020203" pitchFamily="34" charset="0"/>
                 <a:cs typeface="Segoe UI" panose="020B0502040204020203" pitchFamily="34" charset="0"/>
               </a:rPr>
@@ -7479,21 +7636,21 @@
               <a:buChar char="•"/>
             </a:pPr>
             <a:r>
-              <a:rPr lang="en-US" b="1" dirty="0">
-                <a:latin typeface="Segoe UI" panose="020B0502040204020203" pitchFamily="34" charset="0"/>
-                <a:cs typeface="Segoe UI" panose="020B0502040204020203" pitchFamily="34" charset="0"/>
-              </a:rPr>
-              <a:t>Insight</a:t>
-            </a:r>
-            <a:r>
-              <a:rPr lang="en-US" dirty="0">
-                <a:latin typeface="Segoe UI" panose="020B0502040204020203" pitchFamily="34" charset="0"/>
-                <a:cs typeface="Segoe UI" panose="020B0502040204020203" pitchFamily="34" charset="0"/>
-              </a:rPr>
-              <a:t>: Segment 1 is the most significant driver of high ratings due to its size and high satisfaction rate</a:t>
-            </a:r>
-            <a:r>
-              <a:rPr lang="en-US" dirty="0" smtClean="0">
+              <a:rPr lang="en" b="1" dirty="0">
+                <a:latin typeface="Segoe UI" panose="020B0502040204020203" pitchFamily="34" charset="0"/>
+                <a:cs typeface="Segoe UI" panose="020B0502040204020203" pitchFamily="34" charset="0"/>
+              </a:rPr>
+              <a:t>Overview </a:t>
+            </a:r>
+            <a:r>
+              <a:rPr lang="en" dirty="0">
+                <a:latin typeface="Segoe UI" panose="020B0502040204020203" pitchFamily="34" charset="0"/>
+                <a:cs typeface="Segoe UI" panose="020B0502040204020203" pitchFamily="34" charset="0"/>
+              </a:rPr>
+              <a:t>: Segment 1 is the most important driver of high ratings due to its size and high satisfaction rate </a:t>
+            </a:r>
+            <a:r>
+              <a:rPr lang="en" dirty="0" smtClean="0">
                 <a:latin typeface="Segoe UI" panose="020B0502040204020203" pitchFamily="34" charset="0"/>
                 <a:cs typeface="Segoe UI" panose="020B0502040204020203" pitchFamily="34" charset="0"/>
               </a:rPr>
@@ -7512,18 +7669,18 @@
               <a:buChar char="•"/>
             </a:pPr>
             <a:r>
-              <a:rPr lang="en-US" b="1" dirty="0">
-                <a:latin typeface="Segoe UI" panose="020B0502040204020203" pitchFamily="34" charset="0"/>
-                <a:cs typeface="Segoe UI" panose="020B0502040204020203" pitchFamily="34" charset="0"/>
-              </a:rPr>
-              <a:t>Recommendation</a:t>
-            </a:r>
-            <a:r>
-              <a:rPr lang="en-US" dirty="0">
-                <a:latin typeface="Segoe UI" panose="020B0502040204020203" pitchFamily="34" charset="0"/>
-                <a:cs typeface="Segoe UI" panose="020B0502040204020203" pitchFamily="34" charset="0"/>
-              </a:rPr>
-              <a:t>: Identify characteristics of this segment and replicate its conditions across other groups.</a:t>
+              <a:rPr lang="en" b="1" dirty="0">
+                <a:latin typeface="Segoe UI" panose="020B0502040204020203" pitchFamily="34" charset="0"/>
+                <a:cs typeface="Segoe UI" panose="020B0502040204020203" pitchFamily="34" charset="0"/>
+              </a:rPr>
+              <a:t>Recommendation </a:t>
+            </a:r>
+            <a:r>
+              <a:rPr lang="en" dirty="0">
+                <a:latin typeface="Segoe UI" panose="020B0502040204020203" pitchFamily="34" charset="0"/>
+                <a:cs typeface="Segoe UI" panose="020B0502040204020203" pitchFamily="34" charset="0"/>
+              </a:rPr>
+              <a:t>: Identify the characteristics of this segment and reproduce its conditions in other groups.</a:t>
             </a:r>
           </a:p>
         </p:txBody>

--- a/English/6.Visuals/15.Key influencer.pptx
+++ b/English/6.Visuals/15.Key influencer.pptx
@@ -210,7 +210,7 @@
           <a:p>
             <a:fld id="{056BA3B8-9F76-4D81-B71D-76CB85363062}" type="datetimeFigureOut">
               <a:rPr lang="en-US" smtClean="0"/>
-              <a:t>4/3/2025</a:t>
+              <a:t>4/5/2025</a:t>
             </a:fld>
             <a:endParaRPr lang="en-US"/>
           </a:p>
@@ -609,7 +609,7 @@
           <a:p>
             <a:fld id="{6F01DA4D-20EA-48D2-973C-0311EC3005D6}" type="datetimeFigureOut">
               <a:rPr lang="en-US" smtClean="0"/>
-              <a:t>4/3/2025</a:t>
+              <a:t>4/5/2025</a:t>
             </a:fld>
             <a:endParaRPr lang="en-US"/>
           </a:p>
@@ -779,7 +779,7 @@
           <a:p>
             <a:fld id="{6F01DA4D-20EA-48D2-973C-0311EC3005D6}" type="datetimeFigureOut">
               <a:rPr lang="en-US" smtClean="0"/>
-              <a:t>4/3/2025</a:t>
+              <a:t>4/5/2025</a:t>
             </a:fld>
             <a:endParaRPr lang="en-US"/>
           </a:p>
@@ -959,7 +959,7 @@
           <a:p>
             <a:fld id="{6F01DA4D-20EA-48D2-973C-0311EC3005D6}" type="datetimeFigureOut">
               <a:rPr lang="en-US" smtClean="0"/>
-              <a:t>4/3/2025</a:t>
+              <a:t>4/5/2025</a:t>
             </a:fld>
             <a:endParaRPr lang="en-US"/>
           </a:p>
@@ -1129,7 +1129,7 @@
           <a:p>
             <a:fld id="{6F01DA4D-20EA-48D2-973C-0311EC3005D6}" type="datetimeFigureOut">
               <a:rPr lang="en-US" smtClean="0"/>
-              <a:t>4/3/2025</a:t>
+              <a:t>4/5/2025</a:t>
             </a:fld>
             <a:endParaRPr lang="en-US"/>
           </a:p>
@@ -1375,7 +1375,7 @@
           <a:p>
             <a:fld id="{6F01DA4D-20EA-48D2-973C-0311EC3005D6}" type="datetimeFigureOut">
               <a:rPr lang="en-US" smtClean="0"/>
-              <a:t>4/3/2025</a:t>
+              <a:t>4/5/2025</a:t>
             </a:fld>
             <a:endParaRPr lang="en-US"/>
           </a:p>
@@ -1607,7 +1607,7 @@
           <a:p>
             <a:fld id="{6F01DA4D-20EA-48D2-973C-0311EC3005D6}" type="datetimeFigureOut">
               <a:rPr lang="en-US" smtClean="0"/>
-              <a:t>4/3/2025</a:t>
+              <a:t>4/5/2025</a:t>
             </a:fld>
             <a:endParaRPr lang="en-US"/>
           </a:p>
@@ -1974,7 +1974,7 @@
           <a:p>
             <a:fld id="{6F01DA4D-20EA-48D2-973C-0311EC3005D6}" type="datetimeFigureOut">
               <a:rPr lang="en-US" smtClean="0"/>
-              <a:t>4/3/2025</a:t>
+              <a:t>4/5/2025</a:t>
             </a:fld>
             <a:endParaRPr lang="en-US"/>
           </a:p>
@@ -2092,7 +2092,7 @@
           <a:p>
             <a:fld id="{6F01DA4D-20EA-48D2-973C-0311EC3005D6}" type="datetimeFigureOut">
               <a:rPr lang="en-US" smtClean="0"/>
-              <a:t>4/3/2025</a:t>
+              <a:t>4/5/2025</a:t>
             </a:fld>
             <a:endParaRPr lang="en-US"/>
           </a:p>
@@ -2187,7 +2187,7 @@
           <a:p>
             <a:fld id="{6F01DA4D-20EA-48D2-973C-0311EC3005D6}" type="datetimeFigureOut">
               <a:rPr lang="en-US" smtClean="0"/>
-              <a:t>4/3/2025</a:t>
+              <a:t>4/5/2025</a:t>
             </a:fld>
             <a:endParaRPr lang="en-US"/>
           </a:p>
@@ -2464,7 +2464,7 @@
           <a:p>
             <a:fld id="{6F01DA4D-20EA-48D2-973C-0311EC3005D6}" type="datetimeFigureOut">
               <a:rPr lang="en-US" smtClean="0"/>
-              <a:t>4/3/2025</a:t>
+              <a:t>4/5/2025</a:t>
             </a:fld>
             <a:endParaRPr lang="en-US"/>
           </a:p>
@@ -2717,7 +2717,7 @@
           <a:p>
             <a:fld id="{6F01DA4D-20EA-48D2-973C-0311EC3005D6}" type="datetimeFigureOut">
               <a:rPr lang="en-US" smtClean="0"/>
-              <a:t>4/3/2025</a:t>
+              <a:t>4/5/2025</a:t>
             </a:fld>
             <a:endParaRPr lang="en-US"/>
           </a:p>
@@ -2930,7 +2930,7 @@
           <a:p>
             <a:fld id="{6F01DA4D-20EA-48D2-973C-0311EC3005D6}" type="datetimeFigureOut">
               <a:rPr lang="en-US" smtClean="0"/>
-              <a:t>4/3/2025</a:t>
+              <a:t>4/5/2025</a:t>
             </a:fld>
             <a:endParaRPr lang="en-US"/>
           </a:p>
@@ -5440,8 +5440,8 @@
         </p:nvSpPr>
         <p:spPr>
           <a:xfrm>
-            <a:off x="378135" y="756271"/>
-            <a:ext cx="8075288" cy="369332"/>
+            <a:off x="378134" y="756270"/>
+            <a:ext cx="11326185" cy="369885"/>
           </a:xfrm>
           <a:prstGeom prst="rect">
             <a:avLst/>
@@ -5449,17 +5449,38 @@
           <a:noFill/>
         </p:spPr>
         <p:txBody>
-          <a:bodyPr wrap="none" rtlCol="0">
+          <a:bodyPr wrap="square" rtlCol="0">
             <a:spAutoFit/>
           </a:bodyPr>
           <a:lstStyle/>
           <a:p>
             <a:r>
+              <a:rPr lang="en" dirty="0" smtClean="0">
+                <a:latin typeface="Segoe UI" panose="020B0502040204020203" pitchFamily="34" charset="0"/>
+                <a:cs typeface="Segoe UI" panose="020B0502040204020203" pitchFamily="34" charset="0"/>
+              </a:rPr>
+              <a:t>We need to study the impact of several factors on the customer  </a:t>
+            </a:r>
+            <a:r>
               <a:rPr lang="en" b="1" dirty="0" smtClean="0">
                 <a:latin typeface="Segoe UI" panose="020B0502040204020203" pitchFamily="34" charset="0"/>
                 <a:cs typeface="Segoe UI" panose="020B0502040204020203" pitchFamily="34" charset="0"/>
               </a:rPr>
-              <a:t>high </a:t>
+              <a:t>original score </a:t>
+            </a:r>
+            <a:r>
+              <a:rPr lang="en" dirty="0" smtClean="0">
+                <a:latin typeface="Segoe UI" panose="020B0502040204020203" pitchFamily="34" charset="0"/>
+                <a:cs typeface="Segoe UI" panose="020B0502040204020203" pitchFamily="34" charset="0"/>
+              </a:rPr>
+              <a:t>either it is</a:t>
+            </a:r>
+            <a:r>
+              <a:rPr lang="en" b="1" dirty="0" smtClean="0">
+                <a:latin typeface="Segoe UI" panose="020B0502040204020203" pitchFamily="34" charset="0"/>
+                <a:cs typeface="Segoe UI" panose="020B0502040204020203" pitchFamily="34" charset="0"/>
+              </a:rPr>
+              <a:t> high </a:t>
             </a:r>
             <a:r>
               <a:rPr lang="en" dirty="0" smtClean="0">
@@ -5610,7 +5631,7 @@
         </p:blipFill>
         <p:spPr>
           <a:xfrm>
-            <a:off x="488138" y="1155560"/>
+            <a:off x="507388" y="1126684"/>
             <a:ext cx="5684595" cy="5513784"/>
           </a:xfrm>
           <a:prstGeom prst="rect">
@@ -5693,8 +5714,8 @@
         </p:nvSpPr>
         <p:spPr>
           <a:xfrm>
-            <a:off x="378135" y="756271"/>
-            <a:ext cx="8075288" cy="369332"/>
+            <a:off x="378135" y="670497"/>
+            <a:ext cx="11403058" cy="923330"/>
           </a:xfrm>
           <a:prstGeom prst="rect">
             <a:avLst/>
@@ -5708,27 +5729,45 @@
           <a:lstStyle/>
           <a:p>
             <a:r>
-              <a:rPr lang="en" b="1" dirty="0" smtClean="0">
-                <a:latin typeface="Segoe UI" panose="020B0502040204020203" pitchFamily="34" charset="0"/>
-                <a:cs typeface="Segoe UI" panose="020B0502040204020203" pitchFamily="34" charset="0"/>
-              </a:rPr>
-              <a:t>high </a:t>
-            </a:r>
-            <a:r>
               <a:rPr lang="en" dirty="0" smtClean="0">
                 <a:latin typeface="Segoe UI" panose="020B0502040204020203" pitchFamily="34" charset="0"/>
                 <a:cs typeface="Segoe UI" panose="020B0502040204020203" pitchFamily="34" charset="0"/>
               </a:rPr>
-              <a:t>or </a:t>
-            </a:r>
-            <a:r>
-              <a:rPr lang="en" b="1" dirty="0" smtClean="0">
-                <a:latin typeface="Segoe UI" panose="020B0502040204020203" pitchFamily="34" charset="0"/>
-                <a:cs typeface="Segoe UI" panose="020B0502040204020203" pitchFamily="34" charset="0"/>
-              </a:rPr>
-              <a:t>low </a:t>
-            </a:r>
-            <a:endParaRPr lang="en-US" b="1" dirty="0">
+              <a:t>This is the model, the factors could be in central table which is the same sheet that holds original score or</a:t>
+            </a:r>
+          </a:p>
+          <a:p>
+            <a:r>
+              <a:rPr lang="en" dirty="0">
+                <a:latin typeface="Segoe UI" panose="020B0502040204020203" pitchFamily="34" charset="0"/>
+                <a:cs typeface="Segoe UI" panose="020B0502040204020203" pitchFamily="34" charset="0"/>
+              </a:rPr>
+              <a:t> </a:t>
+            </a:r>
+            <a:r>
+              <a:rPr lang="en" dirty="0" smtClean="0">
+                <a:latin typeface="Segoe UI" panose="020B0502040204020203" pitchFamily="34" charset="0"/>
+                <a:cs typeface="Segoe UI" panose="020B0502040204020203" pitchFamily="34" charset="0"/>
+              </a:rPr>
+              <a:t>                                                                                                     sparate tables which are representing the other </a:t>
+            </a:r>
+          </a:p>
+          <a:p>
+            <a:r>
+              <a:rPr lang="en" dirty="0">
+                <a:latin typeface="Segoe UI" panose="020B0502040204020203" pitchFamily="34" charset="0"/>
+                <a:cs typeface="Segoe UI" panose="020B0502040204020203" pitchFamily="34" charset="0"/>
+              </a:rPr>
+              <a:t> </a:t>
+            </a:r>
+            <a:r>
+              <a:rPr lang="en" dirty="0" smtClean="0">
+                <a:latin typeface="Segoe UI" panose="020B0502040204020203" pitchFamily="34" charset="0"/>
+                <a:cs typeface="Segoe UI" panose="020B0502040204020203" pitchFamily="34" charset="0"/>
+              </a:rPr>
+              <a:t>                                                                                                     sheets  </a:t>
+            </a:r>
+            <a:endParaRPr lang="en-US" dirty="0">
               <a:latin typeface="Segoe UI" panose="020B0502040204020203" pitchFamily="34" charset="0"/>
               <a:cs typeface="Segoe UI" panose="020B0502040204020203" pitchFamily="34" charset="0"/>
             </a:endParaRPr>
@@ -6505,7 +6544,7 @@
         <p:spPr>
           <a:xfrm>
             <a:off x="456054" y="940056"/>
-            <a:ext cx="7065402" cy="3693319"/>
+            <a:ext cx="7065402" cy="3416320"/>
           </a:xfrm>
           <a:prstGeom prst="rect">
             <a:avLst/>
@@ -6522,7 +6561,14 @@
                 <a:latin typeface="Segoe UI" panose="020B0502040204020203" pitchFamily="34" charset="0"/>
                 <a:cs typeface="Segoe UI" panose="020B0502040204020203" pitchFamily="34" charset="0"/>
               </a:rPr>
-              <a:t>Role in the organization as “editor” </a:t>
+              <a:t>Role in the organization as </a:t>
+            </a:r>
+            <a:r>
+              <a:rPr lang="en" b="1" dirty="0" smtClean="0">
+                <a:latin typeface="Segoe UI" panose="020B0502040204020203" pitchFamily="34" charset="0"/>
+                <a:cs typeface="Segoe UI" panose="020B0502040204020203" pitchFamily="34" charset="0"/>
+              </a:rPr>
+              <a:t>“Publisher” </a:t>
             </a:r>
             <a:r>
               <a:rPr lang="en" dirty="0">
@@ -6613,7 +6659,7 @@
                 <a:latin typeface="Segoe UI" panose="020B0502040204020203" pitchFamily="34" charset="0"/>
                 <a:cs typeface="Segoe UI" panose="020B0502040204020203" pitchFamily="34" charset="0"/>
               </a:rPr>
-              <a:t>editors</a:t>
+              <a:t>publishers</a:t>
             </a:r>
             <a:endParaRPr lang="fr" dirty="0">
               <a:latin typeface="Segoe UI" panose="020B0502040204020203" pitchFamily="34" charset="0"/>
@@ -6639,7 +6685,21 @@
                 <a:latin typeface="Segoe UI" panose="020B0502040204020203" pitchFamily="34" charset="0"/>
                 <a:cs typeface="Segoe UI" panose="020B0502040204020203" pitchFamily="34" charset="0"/>
               </a:rPr>
-              <a:t>: Editors have a significant positive impact on high ratings </a:t>
+              <a:t>: </a:t>
+            </a:r>
+            <a:r>
+              <a:rPr lang="en" dirty="0" smtClean="0">
+                <a:latin typeface="Segoe UI" panose="020B0502040204020203" pitchFamily="34" charset="0"/>
+                <a:cs typeface="Segoe UI" panose="020B0502040204020203" pitchFamily="34" charset="0"/>
+              </a:rPr>
+              <a:t>Publishers </a:t>
+            </a:r>
+            <a:r>
+              <a:rPr lang="en" dirty="0">
+                <a:latin typeface="Segoe UI" panose="020B0502040204020203" pitchFamily="34" charset="0"/>
+                <a:cs typeface="Segoe UI" panose="020B0502040204020203" pitchFamily="34" charset="0"/>
+              </a:rPr>
+              <a:t>have a significant positive impact on high ratings </a:t>
             </a:r>
             <a:r>
               <a:rPr lang="en" dirty="0" smtClean="0">
